--- a/lumosHDL.pptx
+++ b/lumosHDL.pptx
@@ -4513,13 +4513,28 @@
   <p:cSld>
     <p:bg>
       <p:bgPr>
-        <a:solidFill>
-          <a:schemeClr val="tx1">
-            <a:lumMod val="95000"/>
-            <a:lumOff val="5000"/>
-            <a:alpha val="64000"/>
-          </a:schemeClr>
-        </a:solidFill>
+        <a:blipFill dpi="0" rotWithShape="1">
+          <a:blip r:embed="rId2">
+            <a:extLst>
+              <a:ext uri="{BEBA8EAE-BF5A-486C-A8C5-ECC9F3942E4B}">
+                <a14:imgProps xmlns:a14="http://schemas.microsoft.com/office/drawing/2010/main">
+                  <a14:imgLayer r:embed="rId3">
+                    <a14:imgEffect>
+                      <a14:sharpenSoften amount="-100000"/>
+                    </a14:imgEffect>
+                    <a14:imgEffect>
+                      <a14:brightnessContrast bright="-10000"/>
+                    </a14:imgEffect>
+                  </a14:imgLayer>
+                </a14:imgProps>
+              </a:ext>
+            </a:extLst>
+          </a:blip>
+          <a:srcRect/>
+          <a:stretch>
+            <a:fillRect t="-39000" b="-39000"/>
+          </a:stretch>
+        </a:blipFill>
         <a:effectLst/>
       </p:bgPr>
     </p:bg>
@@ -4615,10 +4630,10 @@
       </p:sp>
       <p:sp>
         <p:nvSpPr>
-          <p:cNvPr id="6" name="CaixaDeTexto 5">
-            <a:extLst>
-              <a:ext uri="{FF2B5EF4-FFF2-40B4-BE49-F238E27FC236}">
-                <a16:creationId xmlns:a16="http://schemas.microsoft.com/office/drawing/2014/main" id="{C6051079-9467-4417-AB7C-914DDC5A89E6}"/>
+          <p:cNvPr id="54" name="CaixaDeTexto 53">
+            <a:extLst>
+              <a:ext uri="{FF2B5EF4-FFF2-40B4-BE49-F238E27FC236}">
+                <a16:creationId xmlns:a16="http://schemas.microsoft.com/office/drawing/2014/main" id="{EDB7ACD4-F293-417D-A2BB-52E1778CD559}"/>
               </a:ext>
             </a:extLst>
           </p:cNvPr>
@@ -4627,8 +4642,8 @@
         </p:nvSpPr>
         <p:spPr>
           <a:xfrm>
-            <a:off x="1239941" y="2229775"/>
-            <a:ext cx="2558467" cy="584775"/>
+            <a:off x="-34432" y="-8202"/>
+            <a:ext cx="1239941" cy="461665"/>
           </a:xfrm>
           <a:prstGeom prst="rect">
             <a:avLst/>
@@ -4659,14 +4674,78 @@
           <a:lstStyle/>
           <a:p>
             <a:r>
-              <a:rPr lang="pt-BR" sz="1600" b="1" dirty="0"/>
+              <a:rPr lang="pt-BR" sz="2400" b="1" dirty="0">
+                <a:solidFill>
+                  <a:schemeClr val="tx1"/>
+                </a:solidFill>
+              </a:rPr>
+              <a:t>HLD</a:t>
+            </a:r>
+          </a:p>
+        </p:txBody>
+      </p:sp>
+      <p:sp>
+        <p:nvSpPr>
+          <p:cNvPr id="6" name="CaixaDeTexto 5">
+            <a:extLst>
+              <a:ext uri="{FF2B5EF4-FFF2-40B4-BE49-F238E27FC236}">
+                <a16:creationId xmlns:a16="http://schemas.microsoft.com/office/drawing/2014/main" id="{C6051079-9467-4417-AB7C-914DDC5A89E6}"/>
+              </a:ext>
+            </a:extLst>
+          </p:cNvPr>
+          <p:cNvSpPr txBox="1"/>
+          <p:nvPr/>
+        </p:nvSpPr>
+        <p:spPr>
+          <a:xfrm>
+            <a:off x="1071129" y="2075030"/>
+            <a:ext cx="2558467" cy="584775"/>
+          </a:xfrm>
+          <a:prstGeom prst="rect">
+            <a:avLst/>
+          </a:prstGeom>
+          <a:noFill/>
+          <a:ln>
+            <a:noFill/>
+          </a:ln>
+        </p:spPr>
+        <p:style>
+          <a:lnRef idx="0">
+            <a:scrgbClr r="0" g="0" b="0"/>
+          </a:lnRef>
+          <a:fillRef idx="0">
+            <a:scrgbClr r="0" g="0" b="0"/>
+          </a:fillRef>
+          <a:effectRef idx="0">
+            <a:scrgbClr r="0" g="0" b="0"/>
+          </a:effectRef>
+          <a:fontRef idx="minor">
+            <a:schemeClr val="accent4"/>
+          </a:fontRef>
+        </p:style>
+        <p:txBody>
+          <a:bodyPr wrap="square" rtlCol="0">
+            <a:spAutoFit/>
+          </a:bodyPr>
+          <a:lstStyle/>
+          <a:p>
+            <a:r>
+              <a:rPr lang="pt-BR" sz="1600" b="1" dirty="0">
+                <a:solidFill>
+                  <a:schemeClr val="tx1"/>
+                </a:solidFill>
+              </a:rPr>
               <a:t>Sensor de luminosidade</a:t>
             </a:r>
           </a:p>
           <a:p>
             <a:pPr algn="ctr"/>
             <a:r>
-              <a:rPr lang="pt-BR" sz="1600" b="1" dirty="0"/>
+              <a:rPr lang="pt-BR" sz="1600" b="1" dirty="0">
+                <a:solidFill>
+                  <a:schemeClr val="tx1"/>
+                </a:solidFill>
+              </a:rPr>
               <a:t>(LDR)</a:t>
             </a:r>
           </a:p>
@@ -4686,24 +4765,48 @@
         </p:nvSpPr>
         <p:spPr>
           <a:xfrm>
-            <a:off x="1310151" y="567885"/>
+            <a:off x="1141339" y="413140"/>
             <a:ext cx="2418049" cy="1611824"/>
           </a:xfrm>
           <a:prstGeom prst="roundRect">
             <a:avLst/>
           </a:prstGeom>
+          <a:gradFill flip="none" rotWithShape="1">
+            <a:gsLst>
+              <a:gs pos="0">
+                <a:schemeClr val="dk1">
+                  <a:lumMod val="67000"/>
+                </a:schemeClr>
+              </a:gs>
+              <a:gs pos="48000">
+                <a:schemeClr val="dk1">
+                  <a:lumMod val="97000"/>
+                  <a:lumOff val="3000"/>
+                </a:schemeClr>
+              </a:gs>
+              <a:gs pos="100000">
+                <a:schemeClr val="dk1">
+                  <a:lumMod val="60000"/>
+                  <a:lumOff val="40000"/>
+                </a:schemeClr>
+              </a:gs>
+            </a:gsLst>
+            <a:lin ang="16200000" scaled="1"/>
+            <a:tileRect/>
+          </a:gradFill>
+          <a:ln>
+            <a:noFill/>
+          </a:ln>
         </p:spPr>
         <p:style>
-          <a:lnRef idx="2">
-            <a:schemeClr val="accent4">
-              <a:shade val="50000"/>
-            </a:schemeClr>
+          <a:lnRef idx="0">
+            <a:scrgbClr r="0" g="0" b="0"/>
           </a:lnRef>
-          <a:fillRef idx="1">
-            <a:schemeClr val="accent4"/>
+          <a:fillRef idx="0">
+            <a:scrgbClr r="0" g="0" b="0"/>
           </a:fillRef>
           <a:effectRef idx="0">
-            <a:schemeClr val="accent4"/>
+            <a:scrgbClr r="0" g="0" b="0"/>
           </a:effectRef>
           <a:fontRef idx="minor">
             <a:schemeClr val="lt1"/>
@@ -4714,7 +4817,11 @@
           <a:lstStyle/>
           <a:p>
             <a:pPr algn="ctr"/>
-            <a:endParaRPr lang="pt-BR"/>
+            <a:endParaRPr lang="pt-BR">
+              <a:solidFill>
+                <a:schemeClr val="tx1"/>
+              </a:solidFill>
+            </a:endParaRPr>
           </a:p>
         </p:txBody>
       </p:sp>
@@ -4733,7 +4840,7 @@
           <p:nvPr/>
         </p:nvPicPr>
         <p:blipFill>
-          <a:blip r:embed="rId2">
+          <a:blip r:embed="rId4">
             <a:extLst>
               <a:ext uri="{28A0092B-C50C-407E-A947-70E740481C1C}">
                 <a14:useLocalDpi xmlns:a14="http://schemas.microsoft.com/office/drawing/2010/main" val="0"/>
@@ -4747,7 +4854,7 @@
         </p:blipFill>
         <p:spPr bwMode="auto">
           <a:xfrm>
-            <a:off x="1434901" y="700405"/>
+            <a:off x="1266089" y="545660"/>
             <a:ext cx="2168550" cy="1346784"/>
           </a:xfrm>
           <a:prstGeom prst="rect">
@@ -4792,24 +4899,48 @@
         </p:nvSpPr>
         <p:spPr>
           <a:xfrm>
-            <a:off x="4726548" y="593822"/>
+            <a:off x="4557736" y="439077"/>
             <a:ext cx="2013770" cy="1585887"/>
           </a:xfrm>
           <a:prstGeom prst="roundRect">
             <a:avLst/>
           </a:prstGeom>
+          <a:gradFill flip="none" rotWithShape="1">
+            <a:gsLst>
+              <a:gs pos="0">
+                <a:schemeClr val="dk1">
+                  <a:lumMod val="67000"/>
+                </a:schemeClr>
+              </a:gs>
+              <a:gs pos="48000">
+                <a:schemeClr val="dk1">
+                  <a:lumMod val="97000"/>
+                  <a:lumOff val="3000"/>
+                </a:schemeClr>
+              </a:gs>
+              <a:gs pos="100000">
+                <a:schemeClr val="dk1">
+                  <a:lumMod val="60000"/>
+                  <a:lumOff val="40000"/>
+                </a:schemeClr>
+              </a:gs>
+            </a:gsLst>
+            <a:lin ang="16200000" scaled="1"/>
+            <a:tileRect/>
+          </a:gradFill>
+          <a:ln>
+            <a:noFill/>
+          </a:ln>
         </p:spPr>
         <p:style>
-          <a:lnRef idx="2">
-            <a:schemeClr val="accent4">
-              <a:shade val="50000"/>
-            </a:schemeClr>
+          <a:lnRef idx="0">
+            <a:scrgbClr r="0" g="0" b="0"/>
           </a:lnRef>
-          <a:fillRef idx="1">
-            <a:schemeClr val="accent4"/>
+          <a:fillRef idx="0">
+            <a:scrgbClr r="0" g="0" b="0"/>
           </a:fillRef>
           <a:effectRef idx="0">
-            <a:schemeClr val="accent4"/>
+            <a:scrgbClr r="0" g="0" b="0"/>
           </a:effectRef>
           <a:fontRef idx="minor">
             <a:schemeClr val="lt1"/>
@@ -4820,7 +4951,11 @@
           <a:lstStyle/>
           <a:p>
             <a:pPr algn="ctr"/>
-            <a:endParaRPr lang="pt-BR"/>
+            <a:endParaRPr lang="pt-BR">
+              <a:solidFill>
+                <a:schemeClr val="tx1"/>
+              </a:solidFill>
+            </a:endParaRPr>
           </a:p>
         </p:txBody>
       </p:sp>
@@ -4839,7 +4974,7 @@
           <p:nvPr/>
         </p:nvPicPr>
         <p:blipFill>
-          <a:blip r:embed="rId3">
+          <a:blip r:embed="rId5">
             <a:extLst>
               <a:ext uri="{28A0092B-C50C-407E-A947-70E740481C1C}">
                 <a14:useLocalDpi xmlns:a14="http://schemas.microsoft.com/office/drawing/2010/main" val="0"/>
@@ -4853,7 +4988,7 @@
         </p:blipFill>
         <p:spPr bwMode="auto">
           <a:xfrm>
-            <a:off x="4826003" y="700405"/>
+            <a:off x="4657191" y="545660"/>
             <a:ext cx="1821298" cy="1346784"/>
           </a:xfrm>
           <a:prstGeom prst="rect">
@@ -4898,8 +5033,8 @@
         </p:nvSpPr>
         <p:spPr>
           <a:xfrm>
-            <a:off x="4826003" y="2211985"/>
-            <a:ext cx="2123678" cy="954107"/>
+            <a:off x="4304019" y="1986991"/>
+            <a:ext cx="2903544" cy="738664"/>
           </a:xfrm>
           <a:prstGeom prst="rect">
             <a:avLst/>
@@ -4931,6 +5066,9 @@
           <a:p>
             <a:r>
               <a:rPr lang="pt-BR" sz="1400" b="1" dirty="0">
+                <a:solidFill>
+                  <a:schemeClr val="tx1"/>
+                </a:solidFill>
                 <a:cs typeface="Arial" panose="020B0604020202020204" pitchFamily="34" charset="0"/>
               </a:rPr>
               <a:t>Monitoramento de luminosidade de Ruas, Avenidas, Rodovias e estradas.</a:t>
@@ -4952,24 +5090,48 @@
         </p:nvSpPr>
         <p:spPr>
           <a:xfrm>
-            <a:off x="7851920" y="548010"/>
+            <a:off x="7683108" y="393265"/>
             <a:ext cx="1857922" cy="1806768"/>
           </a:xfrm>
           <a:prstGeom prst="roundRect">
             <a:avLst/>
           </a:prstGeom>
+          <a:gradFill flip="none" rotWithShape="1">
+            <a:gsLst>
+              <a:gs pos="0">
+                <a:schemeClr val="dk1">
+                  <a:lumMod val="67000"/>
+                </a:schemeClr>
+              </a:gs>
+              <a:gs pos="48000">
+                <a:schemeClr val="dk1">
+                  <a:lumMod val="97000"/>
+                  <a:lumOff val="3000"/>
+                </a:schemeClr>
+              </a:gs>
+              <a:gs pos="100000">
+                <a:schemeClr val="dk1">
+                  <a:lumMod val="60000"/>
+                  <a:lumOff val="40000"/>
+                </a:schemeClr>
+              </a:gs>
+            </a:gsLst>
+            <a:lin ang="16200000" scaled="1"/>
+            <a:tileRect/>
+          </a:gradFill>
+          <a:ln>
+            <a:noFill/>
+          </a:ln>
         </p:spPr>
         <p:style>
-          <a:lnRef idx="2">
-            <a:schemeClr val="accent4">
-              <a:shade val="50000"/>
-            </a:schemeClr>
+          <a:lnRef idx="0">
+            <a:scrgbClr r="0" g="0" b="0"/>
           </a:lnRef>
-          <a:fillRef idx="1">
-            <a:schemeClr val="accent4"/>
+          <a:fillRef idx="0">
+            <a:scrgbClr r="0" g="0" b="0"/>
           </a:fillRef>
           <a:effectRef idx="0">
-            <a:schemeClr val="accent4"/>
+            <a:scrgbClr r="0" g="0" b="0"/>
           </a:effectRef>
           <a:fontRef idx="minor">
             <a:schemeClr val="lt1"/>
@@ -4980,7 +5142,11 @@
           <a:lstStyle/>
           <a:p>
             <a:pPr algn="ctr"/>
-            <a:endParaRPr lang="pt-BR"/>
+            <a:endParaRPr lang="pt-BR" dirty="0">
+              <a:solidFill>
+                <a:schemeClr val="tx1"/>
+              </a:solidFill>
+            </a:endParaRPr>
           </a:p>
         </p:txBody>
       </p:sp>
@@ -4999,7 +5165,7 @@
           <p:nvPr/>
         </p:nvPicPr>
         <p:blipFill>
-          <a:blip r:embed="rId4">
+          <a:blip r:embed="rId6">
             <a:extLst>
               <a:ext uri="{28A0092B-C50C-407E-A947-70E740481C1C}">
                 <a14:useLocalDpi xmlns:a14="http://schemas.microsoft.com/office/drawing/2010/main" val="0"/>
@@ -5013,7 +5179,7 @@
         </p:blipFill>
         <p:spPr bwMode="auto">
           <a:xfrm>
-            <a:off x="7982959" y="647999"/>
+            <a:off x="7814147" y="493254"/>
             <a:ext cx="1595844" cy="1595844"/>
           </a:xfrm>
           <a:prstGeom prst="rect">
@@ -5058,7 +5224,7 @@
         </p:nvSpPr>
         <p:spPr>
           <a:xfrm>
-            <a:off x="7652301" y="2370361"/>
+            <a:off x="7483489" y="2215616"/>
             <a:ext cx="2422528" cy="584775"/>
           </a:xfrm>
           <a:prstGeom prst="rect">
@@ -5090,7 +5256,11 @@
           <a:lstStyle/>
           <a:p>
             <a:r>
-              <a:rPr lang="pt-BR" sz="1600" b="1" dirty="0"/>
+              <a:rPr lang="pt-BR" sz="1600" b="1" dirty="0">
+                <a:solidFill>
+                  <a:schemeClr val="tx1"/>
+                </a:solidFill>
+              </a:rPr>
               <a:t>Captura de dados a partir das 18h da noite</a:t>
             </a:r>
           </a:p>
@@ -5110,24 +5280,48 @@
         </p:nvSpPr>
         <p:spPr>
           <a:xfrm>
-            <a:off x="9425354" y="2989338"/>
+            <a:off x="9256542" y="2834593"/>
             <a:ext cx="2588455" cy="1561513"/>
           </a:xfrm>
           <a:prstGeom prst="roundRect">
             <a:avLst/>
           </a:prstGeom>
+          <a:gradFill flip="none" rotWithShape="1">
+            <a:gsLst>
+              <a:gs pos="0">
+                <a:schemeClr val="dk1">
+                  <a:lumMod val="67000"/>
+                </a:schemeClr>
+              </a:gs>
+              <a:gs pos="48000">
+                <a:schemeClr val="dk1">
+                  <a:lumMod val="97000"/>
+                  <a:lumOff val="3000"/>
+                </a:schemeClr>
+              </a:gs>
+              <a:gs pos="100000">
+                <a:schemeClr val="dk1">
+                  <a:lumMod val="60000"/>
+                  <a:lumOff val="40000"/>
+                </a:schemeClr>
+              </a:gs>
+            </a:gsLst>
+            <a:lin ang="16200000" scaled="1"/>
+            <a:tileRect/>
+          </a:gradFill>
+          <a:ln>
+            <a:noFill/>
+          </a:ln>
         </p:spPr>
         <p:style>
-          <a:lnRef idx="2">
-            <a:schemeClr val="accent4">
-              <a:shade val="50000"/>
-            </a:schemeClr>
+          <a:lnRef idx="0">
+            <a:scrgbClr r="0" g="0" b="0"/>
           </a:lnRef>
-          <a:fillRef idx="1">
-            <a:schemeClr val="accent4"/>
+          <a:fillRef idx="0">
+            <a:scrgbClr r="0" g="0" b="0"/>
           </a:fillRef>
           <a:effectRef idx="0">
-            <a:schemeClr val="accent4"/>
+            <a:scrgbClr r="0" g="0" b="0"/>
           </a:effectRef>
           <a:fontRef idx="minor">
             <a:schemeClr val="lt1"/>
@@ -5138,7 +5332,11 @@
           <a:lstStyle/>
           <a:p>
             <a:pPr algn="ctr"/>
-            <a:endParaRPr lang="pt-BR"/>
+            <a:endParaRPr lang="pt-BR">
+              <a:solidFill>
+                <a:schemeClr val="tx1"/>
+              </a:solidFill>
+            </a:endParaRPr>
           </a:p>
         </p:txBody>
       </p:sp>
@@ -5157,7 +5355,7 @@
           <p:nvPr/>
         </p:nvPicPr>
         <p:blipFill>
-          <a:blip r:embed="rId5">
+          <a:blip r:embed="rId7">
             <a:extLst>
               <a:ext uri="{28A0092B-C50C-407E-A947-70E740481C1C}">
                 <a14:useLocalDpi xmlns:a14="http://schemas.microsoft.com/office/drawing/2010/main" val="0"/>
@@ -5171,7 +5369,7 @@
         </p:blipFill>
         <p:spPr bwMode="auto">
           <a:xfrm>
-            <a:off x="9537895" y="3058614"/>
+            <a:off x="9369083" y="2903869"/>
             <a:ext cx="2373278" cy="1408822"/>
           </a:xfrm>
           <a:prstGeom prst="rect">
@@ -5203,7 +5401,7 @@
         </p:nvSpPr>
         <p:spPr>
           <a:xfrm>
-            <a:off x="9264624" y="4582018"/>
+            <a:off x="9095812" y="4427273"/>
             <a:ext cx="2903545" cy="584775"/>
           </a:xfrm>
           <a:prstGeom prst="rect">
@@ -5235,7 +5433,11 @@
           <a:lstStyle/>
           <a:p>
             <a:r>
-              <a:rPr lang="pt-BR" sz="1600" b="1" dirty="0"/>
+              <a:rPr lang="pt-BR" sz="1600" b="1" dirty="0">
+                <a:solidFill>
+                  <a:schemeClr val="tx1"/>
+                </a:solidFill>
+              </a:rPr>
               <a:t>Dados enviados para banco de dados da LUMOS</a:t>
             </a:r>
           </a:p>
@@ -5243,10 +5445,10 @@
       </p:sp>
       <p:sp>
         <p:nvSpPr>
-          <p:cNvPr id="54" name="CaixaDeTexto 53">
-            <a:extLst>
-              <a:ext uri="{FF2B5EF4-FFF2-40B4-BE49-F238E27FC236}">
-                <a16:creationId xmlns:a16="http://schemas.microsoft.com/office/drawing/2014/main" id="{EDB7ACD4-F293-417D-A2BB-52E1778CD559}"/>
+          <p:cNvPr id="58" name="CaixaDeTexto 57">
+            <a:extLst>
+              <a:ext uri="{FF2B5EF4-FFF2-40B4-BE49-F238E27FC236}">
+                <a16:creationId xmlns:a16="http://schemas.microsoft.com/office/drawing/2014/main" id="{C6E426EA-2476-40BA-AE71-D4ACA4239CBB}"/>
               </a:ext>
             </a:extLst>
           </p:cNvPr>
@@ -5255,8 +5457,8 @@
         </p:nvSpPr>
         <p:spPr>
           <a:xfrm>
-            <a:off x="0" y="6809"/>
-            <a:ext cx="1239941" cy="461665"/>
+            <a:off x="5312619" y="5964325"/>
+            <a:ext cx="3824965" cy="584775"/>
           </a:xfrm>
           <a:prstGeom prst="rect">
             <a:avLst/>
@@ -5287,18 +5489,575 @@
           <a:lstStyle/>
           <a:p>
             <a:r>
-              <a:rPr lang="pt-BR" sz="2400" b="1" dirty="0"/>
-              <a:t>HLD</a:t>
+              <a:rPr lang="pt-BR" sz="1600" b="1" dirty="0">
+                <a:solidFill>
+                  <a:schemeClr val="tx1"/>
+                </a:solidFill>
+              </a:rPr>
+              <a:t>LUMOS em constante sincronização com o Banco de Dados </a:t>
             </a:r>
           </a:p>
         </p:txBody>
       </p:sp>
       <p:sp>
         <p:nvSpPr>
-          <p:cNvPr id="58" name="CaixaDeTexto 57">
-            <a:extLst>
-              <a:ext uri="{FF2B5EF4-FFF2-40B4-BE49-F238E27FC236}">
-                <a16:creationId xmlns:a16="http://schemas.microsoft.com/office/drawing/2014/main" id="{C6E426EA-2476-40BA-AE71-D4ACA4239CBB}"/>
+          <p:cNvPr id="13" name="Seta: para a Direita 12">
+            <a:extLst>
+              <a:ext uri="{FF2B5EF4-FFF2-40B4-BE49-F238E27FC236}">
+                <a16:creationId xmlns:a16="http://schemas.microsoft.com/office/drawing/2014/main" id="{1480CA30-E225-47B6-8BD1-7CBC25BF2C27}"/>
+              </a:ext>
+            </a:extLst>
+          </p:cNvPr>
+          <p:cNvSpPr/>
+          <p:nvPr/>
+        </p:nvSpPr>
+        <p:spPr>
+          <a:xfrm>
+            <a:off x="3710578" y="1083212"/>
+            <a:ext cx="723655" cy="323557"/>
+          </a:xfrm>
+          <a:prstGeom prst="rightArrow">
+            <a:avLst/>
+          </a:prstGeom>
+          <a:gradFill flip="none" rotWithShape="1">
+            <a:gsLst>
+              <a:gs pos="0">
+                <a:schemeClr val="dk1">
+                  <a:lumMod val="67000"/>
+                </a:schemeClr>
+              </a:gs>
+              <a:gs pos="48000">
+                <a:schemeClr val="dk1">
+                  <a:lumMod val="97000"/>
+                  <a:lumOff val="3000"/>
+                </a:schemeClr>
+              </a:gs>
+              <a:gs pos="100000">
+                <a:schemeClr val="dk1">
+                  <a:lumMod val="60000"/>
+                  <a:lumOff val="40000"/>
+                </a:schemeClr>
+              </a:gs>
+            </a:gsLst>
+            <a:lin ang="0" scaled="1"/>
+            <a:tileRect/>
+          </a:gradFill>
+          <a:ln>
+            <a:noFill/>
+          </a:ln>
+        </p:spPr>
+        <p:style>
+          <a:lnRef idx="0">
+            <a:scrgbClr r="0" g="0" b="0"/>
+          </a:lnRef>
+          <a:fillRef idx="0">
+            <a:scrgbClr r="0" g="0" b="0"/>
+          </a:fillRef>
+          <a:effectRef idx="0">
+            <a:scrgbClr r="0" g="0" b="0"/>
+          </a:effectRef>
+          <a:fontRef idx="minor">
+            <a:schemeClr val="lt1"/>
+          </a:fontRef>
+        </p:style>
+        <p:txBody>
+          <a:bodyPr rtlCol="0" anchor="ctr"/>
+          <a:lstStyle/>
+          <a:p>
+            <a:pPr algn="ctr"/>
+            <a:endParaRPr lang="pt-BR">
+              <a:solidFill>
+                <a:schemeClr val="tx1"/>
+              </a:solidFill>
+            </a:endParaRPr>
+          </a:p>
+        </p:txBody>
+      </p:sp>
+      <p:sp>
+        <p:nvSpPr>
+          <p:cNvPr id="61" name="Seta: para a Direita 60">
+            <a:extLst>
+              <a:ext uri="{FF2B5EF4-FFF2-40B4-BE49-F238E27FC236}">
+                <a16:creationId xmlns:a16="http://schemas.microsoft.com/office/drawing/2014/main" id="{D5F78B94-5171-4CE1-BDE4-6BC0E91FCF67}"/>
+              </a:ext>
+            </a:extLst>
+          </p:cNvPr>
+          <p:cNvSpPr/>
+          <p:nvPr/>
+        </p:nvSpPr>
+        <p:spPr>
+          <a:xfrm>
+            <a:off x="6779323" y="1083211"/>
+            <a:ext cx="723655" cy="323557"/>
+          </a:xfrm>
+          <a:prstGeom prst="rightArrow">
+            <a:avLst/>
+          </a:prstGeom>
+          <a:gradFill flip="none" rotWithShape="1">
+            <a:gsLst>
+              <a:gs pos="0">
+                <a:schemeClr val="dk1">
+                  <a:lumMod val="67000"/>
+                </a:schemeClr>
+              </a:gs>
+              <a:gs pos="48000">
+                <a:schemeClr val="dk1">
+                  <a:lumMod val="97000"/>
+                  <a:lumOff val="3000"/>
+                </a:schemeClr>
+              </a:gs>
+              <a:gs pos="100000">
+                <a:schemeClr val="dk1">
+                  <a:lumMod val="60000"/>
+                  <a:lumOff val="40000"/>
+                </a:schemeClr>
+              </a:gs>
+            </a:gsLst>
+            <a:lin ang="0" scaled="1"/>
+            <a:tileRect/>
+          </a:gradFill>
+          <a:ln>
+            <a:noFill/>
+          </a:ln>
+        </p:spPr>
+        <p:style>
+          <a:lnRef idx="0">
+            <a:scrgbClr r="0" g="0" b="0"/>
+          </a:lnRef>
+          <a:fillRef idx="0">
+            <a:scrgbClr r="0" g="0" b="0"/>
+          </a:fillRef>
+          <a:effectRef idx="0">
+            <a:scrgbClr r="0" g="0" b="0"/>
+          </a:effectRef>
+          <a:fontRef idx="minor">
+            <a:schemeClr val="lt1"/>
+          </a:fontRef>
+        </p:style>
+        <p:txBody>
+          <a:bodyPr rtlCol="0" anchor="ctr"/>
+          <a:lstStyle/>
+          <a:p>
+            <a:pPr algn="ctr"/>
+            <a:endParaRPr lang="pt-BR">
+              <a:solidFill>
+                <a:schemeClr val="tx1"/>
+              </a:solidFill>
+            </a:endParaRPr>
+          </a:p>
+        </p:txBody>
+      </p:sp>
+      <p:sp>
+        <p:nvSpPr>
+          <p:cNvPr id="55" name="Seta: Dobrada 54">
+            <a:extLst>
+              <a:ext uri="{FF2B5EF4-FFF2-40B4-BE49-F238E27FC236}">
+                <a16:creationId xmlns:a16="http://schemas.microsoft.com/office/drawing/2014/main" id="{BFF9E57E-2074-48A8-BE0C-2C86F46152F4}"/>
+              </a:ext>
+            </a:extLst>
+          </p:cNvPr>
+          <p:cNvSpPr/>
+          <p:nvPr/>
+        </p:nvSpPr>
+        <p:spPr>
+          <a:xfrm rot="5400000">
+            <a:off x="9940424" y="1191439"/>
+            <a:ext cx="1096296" cy="952059"/>
+          </a:xfrm>
+          <a:prstGeom prst="bentArrow">
+            <a:avLst>
+              <a:gd name="adj1" fmla="val 23522"/>
+              <a:gd name="adj2" fmla="val 32388"/>
+              <a:gd name="adj3" fmla="val 25000"/>
+              <a:gd name="adj4" fmla="val 42272"/>
+            </a:avLst>
+          </a:prstGeom>
+          <a:gradFill flip="none" rotWithShape="1">
+            <a:gsLst>
+              <a:gs pos="0">
+                <a:schemeClr val="dk1">
+                  <a:lumMod val="67000"/>
+                </a:schemeClr>
+              </a:gs>
+              <a:gs pos="48000">
+                <a:schemeClr val="dk1">
+                  <a:lumMod val="97000"/>
+                  <a:lumOff val="3000"/>
+                </a:schemeClr>
+              </a:gs>
+              <a:gs pos="100000">
+                <a:schemeClr val="dk1">
+                  <a:lumMod val="60000"/>
+                  <a:lumOff val="40000"/>
+                </a:schemeClr>
+              </a:gs>
+            </a:gsLst>
+            <a:lin ang="0" scaled="1"/>
+            <a:tileRect/>
+          </a:gradFill>
+          <a:ln>
+            <a:noFill/>
+          </a:ln>
+        </p:spPr>
+        <p:style>
+          <a:lnRef idx="0">
+            <a:scrgbClr r="0" g="0" b="0"/>
+          </a:lnRef>
+          <a:fillRef idx="0">
+            <a:scrgbClr r="0" g="0" b="0"/>
+          </a:fillRef>
+          <a:effectRef idx="0">
+            <a:scrgbClr r="0" g="0" b="0"/>
+          </a:effectRef>
+          <a:fontRef idx="minor">
+            <a:schemeClr val="lt1"/>
+          </a:fontRef>
+        </p:style>
+        <p:txBody>
+          <a:bodyPr rtlCol="0" anchor="ctr"/>
+          <a:lstStyle/>
+          <a:p>
+            <a:pPr algn="ctr"/>
+            <a:endParaRPr lang="pt-BR">
+              <a:solidFill>
+                <a:schemeClr val="tx1"/>
+              </a:solidFill>
+            </a:endParaRPr>
+          </a:p>
+        </p:txBody>
+      </p:sp>
+      <p:sp>
+        <p:nvSpPr>
+          <p:cNvPr id="66" name="Retângulo: Cantos Arredondados 65">
+            <a:extLst>
+              <a:ext uri="{FF2B5EF4-FFF2-40B4-BE49-F238E27FC236}">
+                <a16:creationId xmlns:a16="http://schemas.microsoft.com/office/drawing/2014/main" id="{B651C527-C0DC-4BAD-A5D0-41E46079B9A8}"/>
+              </a:ext>
+            </a:extLst>
+          </p:cNvPr>
+          <p:cNvSpPr/>
+          <p:nvPr/>
+        </p:nvSpPr>
+        <p:spPr>
+          <a:xfrm>
+            <a:off x="5663353" y="4057418"/>
+            <a:ext cx="2903544" cy="1916718"/>
+          </a:xfrm>
+          <a:prstGeom prst="roundRect">
+            <a:avLst/>
+          </a:prstGeom>
+          <a:gradFill flip="none" rotWithShape="1">
+            <a:gsLst>
+              <a:gs pos="0">
+                <a:schemeClr val="dk1">
+                  <a:lumMod val="67000"/>
+                </a:schemeClr>
+              </a:gs>
+              <a:gs pos="48000">
+                <a:schemeClr val="dk1">
+                  <a:lumMod val="97000"/>
+                  <a:lumOff val="3000"/>
+                </a:schemeClr>
+              </a:gs>
+              <a:gs pos="100000">
+                <a:schemeClr val="dk1">
+                  <a:lumMod val="60000"/>
+                  <a:lumOff val="40000"/>
+                </a:schemeClr>
+              </a:gs>
+            </a:gsLst>
+            <a:lin ang="16200000" scaled="1"/>
+            <a:tileRect/>
+          </a:gradFill>
+          <a:ln>
+            <a:noFill/>
+          </a:ln>
+        </p:spPr>
+        <p:style>
+          <a:lnRef idx="0">
+            <a:scrgbClr r="0" g="0" b="0"/>
+          </a:lnRef>
+          <a:fillRef idx="0">
+            <a:scrgbClr r="0" g="0" b="0"/>
+          </a:fillRef>
+          <a:effectRef idx="0">
+            <a:scrgbClr r="0" g="0" b="0"/>
+          </a:effectRef>
+          <a:fontRef idx="minor">
+            <a:schemeClr val="lt1"/>
+          </a:fontRef>
+        </p:style>
+        <p:txBody>
+          <a:bodyPr rtlCol="0" anchor="ctr"/>
+          <a:lstStyle/>
+          <a:p>
+            <a:pPr algn="ctr"/>
+            <a:endParaRPr lang="pt-BR" dirty="0">
+              <a:solidFill>
+                <a:schemeClr val="tx1"/>
+              </a:solidFill>
+            </a:endParaRPr>
+          </a:p>
+        </p:txBody>
+      </p:sp>
+      <p:pic>
+        <p:nvPicPr>
+          <p:cNvPr id="1036" name="Picture 12" descr="MOSSORÓ-RN – Página: 2 – Lumos Juridico">
+            <a:extLst>
+              <a:ext uri="{FF2B5EF4-FFF2-40B4-BE49-F238E27FC236}">
+                <a16:creationId xmlns:a16="http://schemas.microsoft.com/office/drawing/2014/main" id="{D77BC035-4409-497C-A9F9-B1EFE7D20CE2}"/>
+              </a:ext>
+            </a:extLst>
+          </p:cNvPr>
+          <p:cNvPicPr>
+            <a:picLocks noChangeAspect="1" noChangeArrowheads="1"/>
+          </p:cNvPicPr>
+          <p:nvPr/>
+        </p:nvPicPr>
+        <p:blipFill>
+          <a:blip r:embed="rId8">
+            <a:extLst>
+              <a:ext uri="{28A0092B-C50C-407E-A947-70E740481C1C}">
+                <a14:useLocalDpi xmlns:a14="http://schemas.microsoft.com/office/drawing/2010/main" val="0"/>
+              </a:ext>
+            </a:extLst>
+          </a:blip>
+          <a:srcRect/>
+          <a:stretch>
+            <a:fillRect/>
+          </a:stretch>
+        </p:blipFill>
+        <p:spPr bwMode="auto">
+          <a:xfrm>
+            <a:off x="5788842" y="4143907"/>
+            <a:ext cx="2674158" cy="1757028"/>
+          </a:xfrm>
+          <a:prstGeom prst="rect">
+            <a:avLst/>
+          </a:prstGeom>
+          <a:noFill/>
+          <a:extLst>
+            <a:ext uri="{909E8E84-426E-40DD-AFC4-6F175D3DCCD1}">
+              <a14:hiddenFill xmlns:a14="http://schemas.microsoft.com/office/drawing/2010/main">
+                <a:solidFill>
+                  <a:srgbClr val="FFFFFF"/>
+                </a:solidFill>
+              </a14:hiddenFill>
+            </a:ext>
+          </a:extLst>
+        </p:spPr>
+      </p:pic>
+      <p:pic>
+        <p:nvPicPr>
+          <p:cNvPr id="12" name="Imagem 11">
+            <a:extLst>
+              <a:ext uri="{FF2B5EF4-FFF2-40B4-BE49-F238E27FC236}">
+                <a16:creationId xmlns:a16="http://schemas.microsoft.com/office/drawing/2014/main" id="{2E4AB332-45C1-46A5-97AD-01AF59122363}"/>
+              </a:ext>
+            </a:extLst>
+          </p:cNvPr>
+          <p:cNvPicPr>
+            <a:picLocks noChangeAspect="1"/>
+          </p:cNvPicPr>
+          <p:nvPr/>
+        </p:nvPicPr>
+        <p:blipFill>
+          <a:blip r:embed="rId9"/>
+          <a:stretch>
+            <a:fillRect/>
+          </a:stretch>
+        </p:blipFill>
+        <p:spPr>
+          <a:xfrm rot="599127">
+            <a:off x="6151614" y="4677805"/>
+            <a:ext cx="473060" cy="508364"/>
+          </a:xfrm>
+          <a:prstGeom prst="roundRect">
+            <a:avLst>
+              <a:gd name="adj" fmla="val 16667"/>
+            </a:avLst>
+          </a:prstGeom>
+          <a:ln>
+            <a:noFill/>
+          </a:ln>
+          <a:effectLst>
+            <a:outerShdw blurRad="76200" dist="38100" dir="7800000" algn="tl" rotWithShape="0">
+              <a:srgbClr val="000000">
+                <a:alpha val="40000"/>
+              </a:srgbClr>
+            </a:outerShdw>
+          </a:effectLst>
+          <a:scene3d>
+            <a:camera prst="orthographicFront"/>
+            <a:lightRig rig="contrasting" dir="t">
+              <a:rot lat="0" lon="0" rev="4200000"/>
+            </a:lightRig>
+          </a:scene3d>
+          <a:sp3d prstMaterial="plastic">
+            <a:bevelT w="381000" h="114300" prst="relaxedInset"/>
+            <a:contourClr>
+              <a:srgbClr val="969696"/>
+            </a:contourClr>
+          </a:sp3d>
+        </p:spPr>
+      </p:pic>
+      <p:sp>
+        <p:nvSpPr>
+          <p:cNvPr id="71" name="Retângulo: Cantos Arredondados 70">
+            <a:extLst>
+              <a:ext uri="{FF2B5EF4-FFF2-40B4-BE49-F238E27FC236}">
+                <a16:creationId xmlns:a16="http://schemas.microsoft.com/office/drawing/2014/main" id="{DBF63389-C9B6-48DF-A837-5BE5EDD54C0C}"/>
+              </a:ext>
+            </a:extLst>
+          </p:cNvPr>
+          <p:cNvSpPr/>
+          <p:nvPr/>
+        </p:nvSpPr>
+        <p:spPr>
+          <a:xfrm>
+            <a:off x="1575331" y="4072064"/>
+            <a:ext cx="2760600" cy="1916718"/>
+          </a:xfrm>
+          <a:prstGeom prst="roundRect">
+            <a:avLst/>
+          </a:prstGeom>
+          <a:gradFill flip="none" rotWithShape="1">
+            <a:gsLst>
+              <a:gs pos="0">
+                <a:schemeClr val="dk1">
+                  <a:lumMod val="67000"/>
+                </a:schemeClr>
+              </a:gs>
+              <a:gs pos="48000">
+                <a:schemeClr val="dk1">
+                  <a:lumMod val="97000"/>
+                  <a:lumOff val="3000"/>
+                </a:schemeClr>
+              </a:gs>
+              <a:gs pos="100000">
+                <a:schemeClr val="dk1">
+                  <a:lumMod val="60000"/>
+                  <a:lumOff val="40000"/>
+                </a:schemeClr>
+              </a:gs>
+            </a:gsLst>
+            <a:lin ang="16200000" scaled="1"/>
+            <a:tileRect/>
+          </a:gradFill>
+          <a:ln>
+            <a:noFill/>
+          </a:ln>
+        </p:spPr>
+        <p:style>
+          <a:lnRef idx="0">
+            <a:scrgbClr r="0" g="0" b="0"/>
+          </a:lnRef>
+          <a:fillRef idx="0">
+            <a:scrgbClr r="0" g="0" b="0"/>
+          </a:fillRef>
+          <a:effectRef idx="0">
+            <a:scrgbClr r="0" g="0" b="0"/>
+          </a:effectRef>
+          <a:fontRef idx="minor">
+            <a:schemeClr val="lt1"/>
+          </a:fontRef>
+        </p:style>
+        <p:txBody>
+          <a:bodyPr rtlCol="0" anchor="ctr"/>
+          <a:lstStyle/>
+          <a:p>
+            <a:pPr algn="ctr"/>
+            <a:endParaRPr lang="pt-BR" dirty="0">
+              <a:solidFill>
+                <a:schemeClr val="tx1"/>
+              </a:solidFill>
+            </a:endParaRPr>
+          </a:p>
+        </p:txBody>
+      </p:sp>
+      <p:pic>
+        <p:nvPicPr>
+          <p:cNvPr id="1040" name="Picture 16" descr="Uber Flash: opção de envios de itens pelo app chega a todo País |  Mercado&amp;Consumo">
+            <a:extLst>
+              <a:ext uri="{FF2B5EF4-FFF2-40B4-BE49-F238E27FC236}">
+                <a16:creationId xmlns:a16="http://schemas.microsoft.com/office/drawing/2014/main" id="{C813008C-04CA-415B-988D-C610FCAEEDC6}"/>
+              </a:ext>
+            </a:extLst>
+          </p:cNvPr>
+          <p:cNvPicPr>
+            <a:picLocks noChangeAspect="1" noChangeArrowheads="1"/>
+          </p:cNvPicPr>
+          <p:nvPr/>
+        </p:nvPicPr>
+        <p:blipFill>
+          <a:blip r:embed="rId10">
+            <a:extLst>
+              <a:ext uri="{28A0092B-C50C-407E-A947-70E740481C1C}">
+                <a14:useLocalDpi xmlns:a14="http://schemas.microsoft.com/office/drawing/2010/main" val="0"/>
+              </a:ext>
+            </a:extLst>
+          </a:blip>
+          <a:srcRect/>
+          <a:stretch>
+            <a:fillRect/>
+          </a:stretch>
+        </p:blipFill>
+        <p:spPr bwMode="auto">
+          <a:xfrm>
+            <a:off x="1669430" y="4129839"/>
+            <a:ext cx="2571750" cy="1781175"/>
+          </a:xfrm>
+          <a:prstGeom prst="rect">
+            <a:avLst/>
+          </a:prstGeom>
+          <a:noFill/>
+          <a:extLst>
+            <a:ext uri="{909E8E84-426E-40DD-AFC4-6F175D3DCCD1}">
+              <a14:hiddenFill xmlns:a14="http://schemas.microsoft.com/office/drawing/2010/main">
+                <a:solidFill>
+                  <a:srgbClr val="FFFFFF"/>
+                </a:solidFill>
+              </a14:hiddenFill>
+            </a:ext>
+          </a:extLst>
+        </p:spPr>
+      </p:pic>
+      <p:pic>
+        <p:nvPicPr>
+          <p:cNvPr id="57" name="Imagem 56">
+            <a:extLst>
+              <a:ext uri="{FF2B5EF4-FFF2-40B4-BE49-F238E27FC236}">
+                <a16:creationId xmlns:a16="http://schemas.microsoft.com/office/drawing/2014/main" id="{15D56D42-74DA-410B-AAF4-6E33DEE903CD}"/>
+              </a:ext>
+            </a:extLst>
+          </p:cNvPr>
+          <p:cNvPicPr>
+            <a:picLocks noChangeAspect="1"/>
+          </p:cNvPicPr>
+          <p:nvPr/>
+        </p:nvPicPr>
+        <p:blipFill>
+          <a:blip r:embed="rId11"/>
+          <a:stretch>
+            <a:fillRect/>
+          </a:stretch>
+        </p:blipFill>
+        <p:spPr>
+          <a:xfrm rot="878526">
+            <a:off x="3060324" y="4620718"/>
+            <a:ext cx="406736" cy="782761"/>
+          </a:xfrm>
+          <a:prstGeom prst="rect">
+            <a:avLst/>
+          </a:prstGeom>
+        </p:spPr>
+      </p:pic>
+      <p:sp>
+        <p:nvSpPr>
+          <p:cNvPr id="72" name="CaixaDeTexto 71">
+            <a:extLst>
+              <a:ext uri="{FF2B5EF4-FFF2-40B4-BE49-F238E27FC236}">
+                <a16:creationId xmlns:a16="http://schemas.microsoft.com/office/drawing/2014/main" id="{E1921659-EAE5-491C-BC04-C2FB01F26917}"/>
               </a:ext>
             </a:extLst>
           </p:cNvPr>
@@ -5307,8 +6066,8 @@
         </p:nvSpPr>
         <p:spPr>
           <a:xfrm>
-            <a:off x="5481431" y="6119070"/>
-            <a:ext cx="3824965" cy="584775"/>
+            <a:off x="882701" y="5968789"/>
+            <a:ext cx="4273305" cy="584775"/>
           </a:xfrm>
           <a:prstGeom prst="rect">
             <a:avLst/>
@@ -5339,18 +6098,22 @@
           <a:lstStyle/>
           <a:p>
             <a:r>
-              <a:rPr lang="pt-BR" sz="1600" b="1" dirty="0"/>
-              <a:t>LUMOS em constante sincronização com o Banco de Dados </a:t>
+              <a:rPr lang="pt-BR" sz="1600" b="1" dirty="0">
+                <a:solidFill>
+                  <a:schemeClr val="tx1"/>
+                </a:solidFill>
+              </a:rPr>
+              <a:t>Aplicativo informa para o motorista qual o local mais seguro para se transitar</a:t>
             </a:r>
           </a:p>
         </p:txBody>
       </p:sp>
       <p:sp>
         <p:nvSpPr>
-          <p:cNvPr id="13" name="Seta: para a Direita 12">
-            <a:extLst>
-              <a:ext uri="{FF2B5EF4-FFF2-40B4-BE49-F238E27FC236}">
-                <a16:creationId xmlns:a16="http://schemas.microsoft.com/office/drawing/2014/main" id="{1480CA30-E225-47B6-8BD1-7CBC25BF2C27}"/>
+          <p:cNvPr id="73" name="Seta: para a Direita 72">
+            <a:extLst>
+              <a:ext uri="{FF2B5EF4-FFF2-40B4-BE49-F238E27FC236}">
+                <a16:creationId xmlns:a16="http://schemas.microsoft.com/office/drawing/2014/main" id="{3C79A501-2B71-4A7E-969C-8DAB07D9848E}"/>
               </a:ext>
             </a:extLst>
           </p:cNvPr>
@@ -5358,9 +6121,796 @@
           <p:nvPr/>
         </p:nvSpPr>
         <p:spPr>
+          <a:xfrm rot="10800000">
+            <a:off x="4588964" y="5045752"/>
+            <a:ext cx="723655" cy="323557"/>
+          </a:xfrm>
+          <a:prstGeom prst="rightArrow">
+            <a:avLst/>
+          </a:prstGeom>
+          <a:gradFill flip="none" rotWithShape="1">
+            <a:gsLst>
+              <a:gs pos="0">
+                <a:schemeClr val="dk1">
+                  <a:lumMod val="67000"/>
+                </a:schemeClr>
+              </a:gs>
+              <a:gs pos="48000">
+                <a:schemeClr val="dk1">
+                  <a:lumMod val="97000"/>
+                  <a:lumOff val="3000"/>
+                </a:schemeClr>
+              </a:gs>
+              <a:gs pos="100000">
+                <a:schemeClr val="dk1">
+                  <a:lumMod val="60000"/>
+                  <a:lumOff val="40000"/>
+                </a:schemeClr>
+              </a:gs>
+            </a:gsLst>
+            <a:lin ang="0" scaled="1"/>
+            <a:tileRect/>
+          </a:gradFill>
+          <a:ln>
+            <a:noFill/>
+          </a:ln>
+        </p:spPr>
+        <p:style>
+          <a:lnRef idx="0">
+            <a:scrgbClr r="0" g="0" b="0"/>
+          </a:lnRef>
+          <a:fillRef idx="0">
+            <a:scrgbClr r="0" g="0" b="0"/>
+          </a:fillRef>
+          <a:effectRef idx="0">
+            <a:scrgbClr r="0" g="0" b="0"/>
+          </a:effectRef>
+          <a:fontRef idx="minor">
+            <a:schemeClr val="lt1"/>
+          </a:fontRef>
+        </p:style>
+        <p:txBody>
+          <a:bodyPr rtlCol="0" anchor="ctr"/>
+          <a:lstStyle/>
+          <a:p>
+            <a:pPr algn="ctr"/>
+            <a:endParaRPr lang="pt-BR">
+              <a:solidFill>
+                <a:schemeClr val="tx1"/>
+              </a:solidFill>
+            </a:endParaRPr>
+          </a:p>
+        </p:txBody>
+      </p:sp>
+      <p:sp>
+        <p:nvSpPr>
+          <p:cNvPr id="74" name="Seta: Dobrada 73">
+            <a:extLst>
+              <a:ext uri="{FF2B5EF4-FFF2-40B4-BE49-F238E27FC236}">
+                <a16:creationId xmlns:a16="http://schemas.microsoft.com/office/drawing/2014/main" id="{FDC1989C-9151-45DA-8953-873B5FA40D4A}"/>
+              </a:ext>
+            </a:extLst>
+          </p:cNvPr>
+          <p:cNvSpPr/>
+          <p:nvPr/>
+        </p:nvSpPr>
+        <p:spPr>
+          <a:xfrm rot="10800000">
+            <a:off x="9369083" y="5030423"/>
+            <a:ext cx="1474107" cy="687644"/>
+          </a:xfrm>
+          <a:prstGeom prst="bentArrow">
+            <a:avLst>
+              <a:gd name="adj1" fmla="val 23522"/>
+              <a:gd name="adj2" fmla="val 32388"/>
+              <a:gd name="adj3" fmla="val 25000"/>
+              <a:gd name="adj4" fmla="val 42272"/>
+            </a:avLst>
+          </a:prstGeom>
+          <a:gradFill flip="none" rotWithShape="1">
+            <a:gsLst>
+              <a:gs pos="0">
+                <a:schemeClr val="dk1">
+                  <a:lumMod val="67000"/>
+                </a:schemeClr>
+              </a:gs>
+              <a:gs pos="48000">
+                <a:schemeClr val="dk1">
+                  <a:lumMod val="97000"/>
+                  <a:lumOff val="3000"/>
+                </a:schemeClr>
+              </a:gs>
+              <a:gs pos="100000">
+                <a:schemeClr val="dk1">
+                  <a:lumMod val="60000"/>
+                  <a:lumOff val="40000"/>
+                </a:schemeClr>
+              </a:gs>
+            </a:gsLst>
+            <a:lin ang="0" scaled="1"/>
+            <a:tileRect/>
+          </a:gradFill>
+          <a:ln>
+            <a:noFill/>
+          </a:ln>
+        </p:spPr>
+        <p:style>
+          <a:lnRef idx="0">
+            <a:scrgbClr r="0" g="0" b="0"/>
+          </a:lnRef>
+          <a:fillRef idx="0">
+            <a:scrgbClr r="0" g="0" b="0"/>
+          </a:fillRef>
+          <a:effectRef idx="0">
+            <a:scrgbClr r="0" g="0" b="0"/>
+          </a:effectRef>
+          <a:fontRef idx="minor">
+            <a:schemeClr val="lt1"/>
+          </a:fontRef>
+        </p:style>
+        <p:txBody>
+          <a:bodyPr rtlCol="0" anchor="ctr"/>
+          <a:lstStyle/>
+          <a:p>
+            <a:pPr algn="ctr"/>
+            <a:endParaRPr lang="pt-BR">
+              <a:solidFill>
+                <a:schemeClr val="tx1"/>
+              </a:solidFill>
+            </a:endParaRPr>
+          </a:p>
+        </p:txBody>
+      </p:sp>
+      <p:pic>
+        <p:nvPicPr>
+          <p:cNvPr id="1042" name="Picture 18" descr="Freepik | Graphic Resources for everyone | Camera de desenho, Ideias de  tatuagem tumblr, Sinal de neon">
+            <a:extLst>
+              <a:ext uri="{FF2B5EF4-FFF2-40B4-BE49-F238E27FC236}">
+                <a16:creationId xmlns:a16="http://schemas.microsoft.com/office/drawing/2014/main" id="{CE0FEBDF-395B-4D6D-84D1-F606FEEC3112}"/>
+              </a:ext>
+            </a:extLst>
+          </p:cNvPr>
+          <p:cNvPicPr>
+            <a:picLocks noChangeAspect="1" noChangeArrowheads="1"/>
+          </p:cNvPicPr>
+          <p:nvPr/>
+        </p:nvPicPr>
+        <p:blipFill>
+          <a:blip r:embed="rId12">
+            <a:extLst>
+              <a:ext uri="{28A0092B-C50C-407E-A947-70E740481C1C}">
+                <a14:useLocalDpi xmlns:a14="http://schemas.microsoft.com/office/drawing/2010/main" val="0"/>
+              </a:ext>
+            </a:extLst>
+          </a:blip>
+          <a:srcRect/>
+          <a:stretch>
+            <a:fillRect/>
+          </a:stretch>
+        </p:blipFill>
+        <p:spPr bwMode="auto">
           <a:xfrm>
-            <a:off x="3879390" y="1237957"/>
-            <a:ext cx="723655" cy="323557"/>
+            <a:off x="11231526" y="2149759"/>
+            <a:ext cx="375346" cy="375346"/>
+          </a:xfrm>
+          <a:prstGeom prst="rect">
+            <a:avLst/>
+          </a:prstGeom>
+          <a:ln w="38100" cap="sq">
+            <a:solidFill>
+              <a:srgbClr val="000000"/>
+            </a:solidFill>
+            <a:prstDash val="solid"/>
+            <a:miter lim="800000"/>
+          </a:ln>
+          <a:effectLst>
+            <a:outerShdw blurRad="50800" dist="38100" dir="2700000" algn="tl" rotWithShape="0">
+              <a:srgbClr val="000000">
+                <a:alpha val="43000"/>
+              </a:srgbClr>
+            </a:outerShdw>
+          </a:effectLst>
+          <a:extLst>
+            <a:ext uri="{909E8E84-426E-40DD-AFC4-6F175D3DCCD1}">
+              <a14:hiddenFill xmlns:a14="http://schemas.microsoft.com/office/drawing/2010/main">
+                <a:solidFill>
+                  <a:srgbClr val="FFFFFF"/>
+                </a:solidFill>
+              </a14:hiddenFill>
+            </a:ext>
+          </a:extLst>
+        </p:spPr>
+      </p:pic>
+      <p:pic>
+        <p:nvPicPr>
+          <p:cNvPr id="77" name="Picture 18" descr="Freepik | Graphic Resources for everyone | Camera de desenho, Ideias de  tatuagem tumblr, Sinal de neon">
+            <a:extLst>
+              <a:ext uri="{FF2B5EF4-FFF2-40B4-BE49-F238E27FC236}">
+                <a16:creationId xmlns:a16="http://schemas.microsoft.com/office/drawing/2014/main" id="{E7623DAE-980A-4728-A3C8-EADD5023C9FD}"/>
+              </a:ext>
+            </a:extLst>
+          </p:cNvPr>
+          <p:cNvPicPr>
+            <a:picLocks noChangeAspect="1" noChangeArrowheads="1"/>
+          </p:cNvPicPr>
+          <p:nvPr/>
+        </p:nvPicPr>
+        <p:blipFill>
+          <a:blip r:embed="rId12">
+            <a:extLst>
+              <a:ext uri="{28A0092B-C50C-407E-A947-70E740481C1C}">
+                <a14:useLocalDpi xmlns:a14="http://schemas.microsoft.com/office/drawing/2010/main" val="0"/>
+              </a:ext>
+            </a:extLst>
+          </a:blip>
+          <a:srcRect/>
+          <a:stretch>
+            <a:fillRect/>
+          </a:stretch>
+        </p:blipFill>
+        <p:spPr bwMode="auto">
+          <a:xfrm>
+            <a:off x="9190257" y="6022988"/>
+            <a:ext cx="375346" cy="375346"/>
+          </a:xfrm>
+          <a:prstGeom prst="rect">
+            <a:avLst/>
+          </a:prstGeom>
+          <a:ln w="38100" cap="sq">
+            <a:solidFill>
+              <a:srgbClr val="000000"/>
+            </a:solidFill>
+            <a:prstDash val="solid"/>
+            <a:miter lim="800000"/>
+          </a:ln>
+          <a:effectLst>
+            <a:outerShdw blurRad="50800" dist="38100" dir="2700000" algn="tl" rotWithShape="0">
+              <a:srgbClr val="000000">
+                <a:alpha val="43000"/>
+              </a:srgbClr>
+            </a:outerShdw>
+          </a:effectLst>
+          <a:extLst>
+            <a:ext uri="{909E8E84-426E-40DD-AFC4-6F175D3DCCD1}">
+              <a14:hiddenFill xmlns:a14="http://schemas.microsoft.com/office/drawing/2010/main">
+                <a:solidFill>
+                  <a:srgbClr val="FFFFFF"/>
+                </a:solidFill>
+              </a14:hiddenFill>
+            </a:ext>
+          </a:extLst>
+        </p:spPr>
+      </p:pic>
+    </p:spTree>
+    <p:extLst>
+      <p:ext uri="{BB962C8B-B14F-4D97-AF65-F5344CB8AC3E}">
+        <p14:creationId xmlns:p14="http://schemas.microsoft.com/office/powerpoint/2010/main" val="205588745"/>
+      </p:ext>
+    </p:extLst>
+  </p:cSld>
+  <p:clrMapOvr>
+    <a:masterClrMapping/>
+  </p:clrMapOvr>
+</p:sld>
+</file>
+
+<file path=ppt/slides/slide2.xml><?xml version="1.0" encoding="utf-8"?>
+<p:sld xmlns:a="http://schemas.openxmlformats.org/drawingml/2006/main" xmlns:r="http://schemas.openxmlformats.org/officeDocument/2006/relationships" xmlns:p="http://schemas.openxmlformats.org/presentationml/2006/main">
+  <p:cSld>
+    <p:bg>
+      <p:bgPr>
+        <a:blipFill dpi="0" rotWithShape="1">
+          <a:blip r:embed="rId2">
+            <a:lum/>
+            <a:extLst>
+              <a:ext uri="{BEBA8EAE-BF5A-486C-A8C5-ECC9F3942E4B}">
+                <a14:imgProps xmlns:a14="http://schemas.microsoft.com/office/drawing/2010/main">
+                  <a14:imgLayer r:embed="rId3">
+                    <a14:imgEffect>
+                      <a14:sharpenSoften amount="-100000"/>
+                    </a14:imgEffect>
+                  </a14:imgLayer>
+                </a14:imgProps>
+              </a:ext>
+            </a:extLst>
+          </a:blip>
+          <a:srcRect/>
+          <a:stretch>
+            <a:fillRect t="-39000" b="-39000"/>
+          </a:stretch>
+        </a:blipFill>
+        <a:effectLst/>
+      </p:bgPr>
+    </p:bg>
+    <p:spTree>
+      <p:nvGrpSpPr>
+        <p:cNvPr id="1" name=""/>
+        <p:cNvGrpSpPr/>
+        <p:nvPr/>
+      </p:nvGrpSpPr>
+      <p:grpSpPr>
+        <a:xfrm>
+          <a:off x="0" y="0"/>
+          <a:ext cx="0" cy="0"/>
+          <a:chOff x="0" y="0"/>
+          <a:chExt cx="0" cy="0"/>
+        </a:xfrm>
+      </p:grpSpPr>
+      <p:sp>
+        <p:nvSpPr>
+          <p:cNvPr id="4" name="CaixaDeTexto 3">
+            <a:extLst>
+              <a:ext uri="{FF2B5EF4-FFF2-40B4-BE49-F238E27FC236}">
+                <a16:creationId xmlns:a16="http://schemas.microsoft.com/office/drawing/2014/main" id="{B137C8D5-5B18-41D8-839D-CCE1CA2537A0}"/>
+              </a:ext>
+            </a:extLst>
+          </p:cNvPr>
+          <p:cNvSpPr txBox="1"/>
+          <p:nvPr/>
+        </p:nvSpPr>
+        <p:spPr>
+          <a:xfrm>
+            <a:off x="0" y="0"/>
+            <a:ext cx="1239941" cy="461665"/>
+          </a:xfrm>
+          <a:prstGeom prst="rect">
+            <a:avLst/>
+          </a:prstGeom>
+          <a:noFill/>
+          <a:ln>
+            <a:noFill/>
+          </a:ln>
+        </p:spPr>
+        <p:style>
+          <a:lnRef idx="0">
+            <a:scrgbClr r="0" g="0" b="0"/>
+          </a:lnRef>
+          <a:fillRef idx="0">
+            <a:scrgbClr r="0" g="0" b="0"/>
+          </a:fillRef>
+          <a:effectRef idx="0">
+            <a:scrgbClr r="0" g="0" b="0"/>
+          </a:effectRef>
+          <a:fontRef idx="minor">
+            <a:schemeClr val="accent4"/>
+          </a:fontRef>
+        </p:style>
+        <p:txBody>
+          <a:bodyPr wrap="square" rtlCol="0">
+            <a:spAutoFit/>
+          </a:bodyPr>
+          <a:lstStyle/>
+          <a:p>
+            <a:r>
+              <a:rPr lang="pt-BR" sz="2400" b="1" dirty="0">
+                <a:solidFill>
+                  <a:schemeClr val="tx1"/>
+                </a:solidFill>
+              </a:rPr>
+              <a:t>LLD</a:t>
+            </a:r>
+          </a:p>
+        </p:txBody>
+      </p:sp>
+      <p:sp>
+        <p:nvSpPr>
+          <p:cNvPr id="12" name="Elipse 11">
+            <a:extLst>
+              <a:ext uri="{FF2B5EF4-FFF2-40B4-BE49-F238E27FC236}">
+                <a16:creationId xmlns:a16="http://schemas.microsoft.com/office/drawing/2014/main" id="{50407AE0-85F0-4931-A58F-6775117B3F87}"/>
+              </a:ext>
+            </a:extLst>
+          </p:cNvPr>
+          <p:cNvSpPr/>
+          <p:nvPr/>
+        </p:nvSpPr>
+        <p:spPr>
+          <a:xfrm>
+            <a:off x="2303004" y="138245"/>
+            <a:ext cx="3587262" cy="2463356"/>
+          </a:xfrm>
+          <a:prstGeom prst="ellipse">
+            <a:avLst/>
+          </a:prstGeom>
+          <a:gradFill flip="none" rotWithShape="1">
+            <a:gsLst>
+              <a:gs pos="0">
+                <a:schemeClr val="dk1">
+                  <a:lumMod val="67000"/>
+                </a:schemeClr>
+              </a:gs>
+              <a:gs pos="48000">
+                <a:schemeClr val="dk1">
+                  <a:lumMod val="97000"/>
+                  <a:lumOff val="3000"/>
+                </a:schemeClr>
+              </a:gs>
+              <a:gs pos="100000">
+                <a:schemeClr val="dk1">
+                  <a:lumMod val="60000"/>
+                  <a:lumOff val="40000"/>
+                </a:schemeClr>
+              </a:gs>
+            </a:gsLst>
+            <a:path path="circle">
+              <a:fillToRect l="100000" t="100000"/>
+            </a:path>
+            <a:tileRect r="-100000" b="-100000"/>
+          </a:gradFill>
+          <a:ln>
+            <a:noFill/>
+          </a:ln>
+        </p:spPr>
+        <p:style>
+          <a:lnRef idx="0">
+            <a:scrgbClr r="0" g="0" b="0"/>
+          </a:lnRef>
+          <a:fillRef idx="0">
+            <a:scrgbClr r="0" g="0" b="0"/>
+          </a:fillRef>
+          <a:effectRef idx="0">
+            <a:scrgbClr r="0" g="0" b="0"/>
+          </a:effectRef>
+          <a:fontRef idx="minor">
+            <a:schemeClr val="lt1"/>
+          </a:fontRef>
+        </p:style>
+        <p:txBody>
+          <a:bodyPr rtlCol="0" anchor="ctr"/>
+          <a:lstStyle/>
+          <a:p>
+            <a:pPr algn="ctr"/>
+            <a:endParaRPr lang="pt-BR">
+              <a:solidFill>
+                <a:schemeClr val="bg2"/>
+              </a:solidFill>
+            </a:endParaRPr>
+          </a:p>
+        </p:txBody>
+      </p:sp>
+      <p:pic>
+        <p:nvPicPr>
+          <p:cNvPr id="3" name="Picture 4" descr="SunRobotics LDR Photoresistor Light Sensitive Resistor Light Dependent  Resistor 10mm 5 pcs: Amazon.in: Industrial &amp; Scientific">
+            <a:extLst>
+              <a:ext uri="{FF2B5EF4-FFF2-40B4-BE49-F238E27FC236}">
+                <a16:creationId xmlns:a16="http://schemas.microsoft.com/office/drawing/2014/main" id="{FF9BD4EA-97D7-47F2-9AC5-CE204F2788C8}"/>
+              </a:ext>
+            </a:extLst>
+          </p:cNvPr>
+          <p:cNvPicPr>
+            <a:picLocks noChangeAspect="1" noChangeArrowheads="1"/>
+          </p:cNvPicPr>
+          <p:nvPr/>
+        </p:nvPicPr>
+        <p:blipFill>
+          <a:blip r:embed="rId4">
+            <a:extLst>
+              <a:ext uri="{28A0092B-C50C-407E-A947-70E740481C1C}">
+                <a14:useLocalDpi xmlns:a14="http://schemas.microsoft.com/office/drawing/2010/main" val="0"/>
+              </a:ext>
+            </a:extLst>
+          </a:blip>
+          <a:srcRect/>
+          <a:stretch>
+            <a:fillRect/>
+          </a:stretch>
+        </p:blipFill>
+        <p:spPr bwMode="auto">
+          <a:xfrm>
+            <a:off x="2552283" y="1060472"/>
+            <a:ext cx="743604" cy="461817"/>
+          </a:xfrm>
+          <a:prstGeom prst="roundRect">
+            <a:avLst>
+              <a:gd name="adj" fmla="val 16667"/>
+            </a:avLst>
+          </a:prstGeom>
+          <a:ln>
+            <a:noFill/>
+          </a:ln>
+          <a:effectLst>
+            <a:outerShdw blurRad="76200" dist="38100" dir="7800000" algn="tl" rotWithShape="0">
+              <a:srgbClr val="000000">
+                <a:alpha val="40000"/>
+              </a:srgbClr>
+            </a:outerShdw>
+          </a:effectLst>
+          <a:scene3d>
+            <a:camera prst="orthographicFront"/>
+            <a:lightRig rig="contrasting" dir="t">
+              <a:rot lat="0" lon="0" rev="4200000"/>
+            </a:lightRig>
+          </a:scene3d>
+          <a:sp3d prstMaterial="plastic">
+            <a:bevelT w="381000" h="114300" prst="relaxedInset"/>
+            <a:contourClr>
+              <a:srgbClr val="969696"/>
+            </a:contourClr>
+          </a:sp3d>
+          <a:extLst>
+            <a:ext uri="{909E8E84-426E-40DD-AFC4-6F175D3DCCD1}">
+              <a14:hiddenFill xmlns:a14="http://schemas.microsoft.com/office/drawing/2010/main">
+                <a:solidFill>
+                  <a:srgbClr val="FFFFFF"/>
+                </a:solidFill>
+              </a14:hiddenFill>
+            </a:ext>
+          </a:extLst>
+        </p:spPr>
+      </p:pic>
+      <p:sp>
+        <p:nvSpPr>
+          <p:cNvPr id="2" name="CaixaDeTexto 1">
+            <a:extLst>
+              <a:ext uri="{FF2B5EF4-FFF2-40B4-BE49-F238E27FC236}">
+                <a16:creationId xmlns:a16="http://schemas.microsoft.com/office/drawing/2014/main" id="{5CACCD78-51E1-48E5-AB7E-F36E5B12A9D7}"/>
+              </a:ext>
+            </a:extLst>
+          </p:cNvPr>
+          <p:cNvSpPr txBox="1"/>
+          <p:nvPr/>
+        </p:nvSpPr>
+        <p:spPr>
+          <a:xfrm>
+            <a:off x="2605728" y="1576593"/>
+            <a:ext cx="636713" cy="369332"/>
+          </a:xfrm>
+          <a:prstGeom prst="rect">
+            <a:avLst/>
+          </a:prstGeom>
+          <a:noFill/>
+        </p:spPr>
+        <p:txBody>
+          <a:bodyPr wrap="none" rtlCol="0">
+            <a:spAutoFit/>
+          </a:bodyPr>
+          <a:lstStyle/>
+          <a:p>
+            <a:r>
+              <a:rPr lang="pt-BR" b="1" dirty="0">
+                <a:solidFill>
+                  <a:schemeClr val="bg2"/>
+                </a:solidFill>
+              </a:rPr>
+              <a:t>LDR</a:t>
+            </a:r>
+          </a:p>
+        </p:txBody>
+      </p:sp>
+      <p:pic>
+        <p:nvPicPr>
+          <p:cNvPr id="5" name="Picture 8" descr="Arduino UNO R3 + Cabo USB">
+            <a:extLst>
+              <a:ext uri="{FF2B5EF4-FFF2-40B4-BE49-F238E27FC236}">
+                <a16:creationId xmlns:a16="http://schemas.microsoft.com/office/drawing/2014/main" id="{961563A9-68DD-4A7E-9132-2716E170C9FC}"/>
+              </a:ext>
+            </a:extLst>
+          </p:cNvPr>
+          <p:cNvPicPr>
+            <a:picLocks noChangeAspect="1" noChangeArrowheads="1"/>
+          </p:cNvPicPr>
+          <p:nvPr/>
+        </p:nvPicPr>
+        <p:blipFill>
+          <a:blip r:embed="rId5">
+            <a:extLst>
+              <a:ext uri="{28A0092B-C50C-407E-A947-70E740481C1C}">
+                <a14:useLocalDpi xmlns:a14="http://schemas.microsoft.com/office/drawing/2010/main" val="0"/>
+              </a:ext>
+            </a:extLst>
+          </a:blip>
+          <a:srcRect/>
+          <a:stretch>
+            <a:fillRect/>
+          </a:stretch>
+        </p:blipFill>
+        <p:spPr bwMode="auto">
+          <a:xfrm>
+            <a:off x="3726490" y="486229"/>
+            <a:ext cx="584266" cy="584266"/>
+          </a:xfrm>
+          <a:prstGeom prst="roundRect">
+            <a:avLst>
+              <a:gd name="adj" fmla="val 16667"/>
+            </a:avLst>
+          </a:prstGeom>
+          <a:ln>
+            <a:noFill/>
+          </a:ln>
+          <a:effectLst>
+            <a:outerShdw blurRad="76200" dist="38100" dir="7800000" algn="tl" rotWithShape="0">
+              <a:srgbClr val="000000">
+                <a:alpha val="40000"/>
+              </a:srgbClr>
+            </a:outerShdw>
+          </a:effectLst>
+          <a:scene3d>
+            <a:camera prst="orthographicFront"/>
+            <a:lightRig rig="contrasting" dir="t">
+              <a:rot lat="0" lon="0" rev="4200000"/>
+            </a:lightRig>
+          </a:scene3d>
+          <a:sp3d prstMaterial="plastic">
+            <a:bevelT w="381000" h="114300" prst="relaxedInset"/>
+            <a:contourClr>
+              <a:srgbClr val="969696"/>
+            </a:contourClr>
+          </a:sp3d>
+          <a:extLst>
+            <a:ext uri="{909E8E84-426E-40DD-AFC4-6F175D3DCCD1}">
+              <a14:hiddenFill xmlns:a14="http://schemas.microsoft.com/office/drawing/2010/main">
+                <a:solidFill>
+                  <a:srgbClr val="FFFFFF"/>
+                </a:solidFill>
+              </a14:hiddenFill>
+            </a:ext>
+          </a:extLst>
+        </p:spPr>
+      </p:pic>
+      <p:sp>
+        <p:nvSpPr>
+          <p:cNvPr id="6" name="CaixaDeTexto 5">
+            <a:extLst>
+              <a:ext uri="{FF2B5EF4-FFF2-40B4-BE49-F238E27FC236}">
+                <a16:creationId xmlns:a16="http://schemas.microsoft.com/office/drawing/2014/main" id="{8FE22F7F-30DD-414E-98AB-ED45DD84D333}"/>
+              </a:ext>
+            </a:extLst>
+          </p:cNvPr>
+          <p:cNvSpPr txBox="1"/>
+          <p:nvPr/>
+        </p:nvSpPr>
+        <p:spPr>
+          <a:xfrm>
+            <a:off x="3523391" y="138245"/>
+            <a:ext cx="990464" cy="338554"/>
+          </a:xfrm>
+          <a:prstGeom prst="rect">
+            <a:avLst/>
+          </a:prstGeom>
+          <a:noFill/>
+        </p:spPr>
+        <p:txBody>
+          <a:bodyPr wrap="none" rtlCol="0">
+            <a:spAutoFit/>
+          </a:bodyPr>
+          <a:lstStyle/>
+          <a:p>
+            <a:r>
+              <a:rPr lang="pt-BR" sz="1600" b="1" dirty="0">
+                <a:solidFill>
+                  <a:schemeClr val="bg2"/>
+                </a:solidFill>
+              </a:rPr>
+              <a:t>Arduino</a:t>
+            </a:r>
+          </a:p>
+        </p:txBody>
+      </p:sp>
+      <p:pic>
+        <p:nvPicPr>
+          <p:cNvPr id="1026" name="Picture 2" descr="Esp8266 esp07 ESP 07 módulo transmissor sem fio, com antena compatível com  placa adaptadora 3.3v/5v para arduino|transceiver module|transceiver  antennatransceiver arduino - AliExpress">
+            <a:extLst>
+              <a:ext uri="{FF2B5EF4-FFF2-40B4-BE49-F238E27FC236}">
+                <a16:creationId xmlns:a16="http://schemas.microsoft.com/office/drawing/2014/main" id="{5BD95F9C-DBA6-4816-95FD-97E41363F35C}"/>
+              </a:ext>
+            </a:extLst>
+          </p:cNvPr>
+          <p:cNvPicPr>
+            <a:picLocks noChangeAspect="1" noChangeArrowheads="1"/>
+          </p:cNvPicPr>
+          <p:nvPr/>
+        </p:nvPicPr>
+        <p:blipFill>
+          <a:blip r:embed="rId6">
+            <a:extLst>
+              <a:ext uri="{28A0092B-C50C-407E-A947-70E740481C1C}">
+                <a14:useLocalDpi xmlns:a14="http://schemas.microsoft.com/office/drawing/2010/main" val="0"/>
+              </a:ext>
+            </a:extLst>
+          </a:blip>
+          <a:srcRect/>
+          <a:stretch>
+            <a:fillRect/>
+          </a:stretch>
+        </p:blipFill>
+        <p:spPr bwMode="auto">
+          <a:xfrm>
+            <a:off x="4009684" y="1485786"/>
+            <a:ext cx="490097" cy="490097"/>
+          </a:xfrm>
+          <a:prstGeom prst="roundRect">
+            <a:avLst>
+              <a:gd name="adj" fmla="val 16667"/>
+            </a:avLst>
+          </a:prstGeom>
+          <a:ln>
+            <a:noFill/>
+          </a:ln>
+          <a:effectLst>
+            <a:outerShdw blurRad="76200" dist="38100" dir="7800000" algn="tl" rotWithShape="0">
+              <a:srgbClr val="000000">
+                <a:alpha val="40000"/>
+              </a:srgbClr>
+            </a:outerShdw>
+          </a:effectLst>
+          <a:scene3d>
+            <a:camera prst="orthographicFront"/>
+            <a:lightRig rig="contrasting" dir="t">
+              <a:rot lat="0" lon="0" rev="4200000"/>
+            </a:lightRig>
+          </a:scene3d>
+          <a:sp3d prstMaterial="plastic">
+            <a:bevelT w="381000" h="114300" prst="relaxedInset"/>
+            <a:contourClr>
+              <a:srgbClr val="969696"/>
+            </a:contourClr>
+          </a:sp3d>
+          <a:extLst>
+            <a:ext uri="{909E8E84-426E-40DD-AFC4-6F175D3DCCD1}">
+              <a14:hiddenFill xmlns:a14="http://schemas.microsoft.com/office/drawing/2010/main">
+                <a:solidFill>
+                  <a:srgbClr val="FFFFFF"/>
+                </a:solidFill>
+              </a14:hiddenFill>
+            </a:ext>
+          </a:extLst>
+        </p:spPr>
+      </p:pic>
+      <p:sp>
+        <p:nvSpPr>
+          <p:cNvPr id="8" name="CaixaDeTexto 7">
+            <a:extLst>
+              <a:ext uri="{FF2B5EF4-FFF2-40B4-BE49-F238E27FC236}">
+                <a16:creationId xmlns:a16="http://schemas.microsoft.com/office/drawing/2014/main" id="{EFA823DC-CEA1-4220-887C-E18F4EF863E6}"/>
+              </a:ext>
+            </a:extLst>
+          </p:cNvPr>
+          <p:cNvSpPr txBox="1"/>
+          <p:nvPr/>
+        </p:nvSpPr>
+        <p:spPr>
+          <a:xfrm>
+            <a:off x="3549256" y="1975883"/>
+            <a:ext cx="1632563" cy="338554"/>
+          </a:xfrm>
+          <a:prstGeom prst="rect">
+            <a:avLst/>
+          </a:prstGeom>
+          <a:noFill/>
+        </p:spPr>
+        <p:txBody>
+          <a:bodyPr wrap="square" rtlCol="0">
+            <a:spAutoFit/>
+          </a:bodyPr>
+          <a:lstStyle/>
+          <a:p>
+            <a:r>
+              <a:rPr lang="pt-BR" sz="1600" b="1" dirty="0">
+                <a:solidFill>
+                  <a:schemeClr val="bg2"/>
+                </a:solidFill>
+              </a:rPr>
+              <a:t>Modulo WIFI</a:t>
+            </a:r>
+          </a:p>
+        </p:txBody>
+      </p:sp>
+      <p:sp>
+        <p:nvSpPr>
+          <p:cNvPr id="11" name="Seta: para a Direita 10">
+            <a:extLst>
+              <a:ext uri="{FF2B5EF4-FFF2-40B4-BE49-F238E27FC236}">
+                <a16:creationId xmlns:a16="http://schemas.microsoft.com/office/drawing/2014/main" id="{3E62D057-C1C7-4164-9579-84BB1F853579}"/>
+              </a:ext>
+            </a:extLst>
+          </p:cNvPr>
+          <p:cNvSpPr/>
+          <p:nvPr/>
+        </p:nvSpPr>
+        <p:spPr>
+          <a:xfrm rot="19883661">
+            <a:off x="3409705" y="996120"/>
+            <a:ext cx="279103" cy="220885"/>
           </a:xfrm>
           <a:prstGeom prst="rightArrow">
             <a:avLst/>
@@ -5411,16 +6961,20 @@
           <a:lstStyle/>
           <a:p>
             <a:pPr algn="ctr"/>
-            <a:endParaRPr lang="pt-BR"/>
-          </a:p>
-        </p:txBody>
-      </p:sp>
-      <p:sp>
-        <p:nvSpPr>
-          <p:cNvPr id="61" name="Seta: para a Direita 60">
-            <a:extLst>
-              <a:ext uri="{FF2B5EF4-FFF2-40B4-BE49-F238E27FC236}">
-                <a16:creationId xmlns:a16="http://schemas.microsoft.com/office/drawing/2014/main" id="{D5F78B94-5171-4CE1-BDE4-6BC0E91FCF67}"/>
+            <a:endParaRPr lang="pt-BR">
+              <a:solidFill>
+                <a:schemeClr val="bg2"/>
+              </a:solidFill>
+            </a:endParaRPr>
+          </a:p>
+        </p:txBody>
+      </p:sp>
+      <p:sp>
+        <p:nvSpPr>
+          <p:cNvPr id="13" name="Seta: para a Direita 12">
+            <a:extLst>
+              <a:ext uri="{FF2B5EF4-FFF2-40B4-BE49-F238E27FC236}">
+                <a16:creationId xmlns:a16="http://schemas.microsoft.com/office/drawing/2014/main" id="{C3B6EDEF-1641-47E1-B1BA-647EF854B5FD}"/>
               </a:ext>
             </a:extLst>
           </p:cNvPr>
@@ -5428,9 +6982,9 @@
           <p:nvPr/>
         </p:nvSpPr>
         <p:spPr>
-          <a:xfrm>
-            <a:off x="6948135" y="1237956"/>
-            <a:ext cx="723655" cy="323557"/>
+          <a:xfrm rot="4897892">
+            <a:off x="3957084" y="1162966"/>
+            <a:ext cx="279103" cy="220885"/>
           </a:xfrm>
           <a:prstGeom prst="rightArrow">
             <a:avLst/>
@@ -5481,141 +7035,20 @@
           <a:lstStyle/>
           <a:p>
             <a:pPr algn="ctr"/>
-            <a:endParaRPr lang="pt-BR"/>
-          </a:p>
-        </p:txBody>
-      </p:sp>
-      <p:sp>
-        <p:nvSpPr>
-          <p:cNvPr id="55" name="Seta: Dobrada 54">
-            <a:extLst>
-              <a:ext uri="{FF2B5EF4-FFF2-40B4-BE49-F238E27FC236}">
-                <a16:creationId xmlns:a16="http://schemas.microsoft.com/office/drawing/2014/main" id="{BFF9E57E-2074-48A8-BE0C-2C86F46152F4}"/>
-              </a:ext>
-            </a:extLst>
-          </p:cNvPr>
-          <p:cNvSpPr/>
-          <p:nvPr/>
-        </p:nvSpPr>
-        <p:spPr>
-          <a:xfrm rot="5400000">
-            <a:off x="10109236" y="1346184"/>
-            <a:ext cx="1096296" cy="952059"/>
-          </a:xfrm>
-          <a:prstGeom prst="bentArrow">
-            <a:avLst>
-              <a:gd name="adj1" fmla="val 23522"/>
-              <a:gd name="adj2" fmla="val 32388"/>
-              <a:gd name="adj3" fmla="val 25000"/>
-              <a:gd name="adj4" fmla="val 42272"/>
-            </a:avLst>
-          </a:prstGeom>
-          <a:gradFill flip="none" rotWithShape="1">
-            <a:gsLst>
-              <a:gs pos="0">
-                <a:schemeClr val="accent4">
-                  <a:lumMod val="67000"/>
-                </a:schemeClr>
-              </a:gs>
-              <a:gs pos="48000">
-                <a:schemeClr val="accent4">
-                  <a:lumMod val="97000"/>
-                  <a:lumOff val="3000"/>
-                </a:schemeClr>
-              </a:gs>
-              <a:gs pos="100000">
-                <a:schemeClr val="accent4">
-                  <a:lumMod val="60000"/>
-                  <a:lumOff val="40000"/>
-                </a:schemeClr>
-              </a:gs>
-            </a:gsLst>
-            <a:lin ang="16200000" scaled="1"/>
-            <a:tileRect/>
-          </a:gradFill>
-          <a:ln>
-            <a:noFill/>
-          </a:ln>
-        </p:spPr>
-        <p:style>
-          <a:lnRef idx="0">
-            <a:scrgbClr r="0" g="0" b="0"/>
-          </a:lnRef>
-          <a:fillRef idx="0">
-            <a:scrgbClr r="0" g="0" b="0"/>
-          </a:fillRef>
-          <a:effectRef idx="0">
-            <a:scrgbClr r="0" g="0" b="0"/>
-          </a:effectRef>
-          <a:fontRef idx="minor">
-            <a:schemeClr val="lt1"/>
-          </a:fontRef>
-        </p:style>
-        <p:txBody>
-          <a:bodyPr rtlCol="0" anchor="ctr"/>
-          <a:lstStyle/>
-          <a:p>
-            <a:pPr algn="ctr"/>
             <a:endParaRPr lang="pt-BR">
               <a:solidFill>
-                <a:schemeClr val="tx1"/>
+                <a:schemeClr val="bg2"/>
               </a:solidFill>
             </a:endParaRPr>
           </a:p>
         </p:txBody>
       </p:sp>
-      <p:sp>
-        <p:nvSpPr>
-          <p:cNvPr id="66" name="Retângulo: Cantos Arredondados 65">
-            <a:extLst>
-              <a:ext uri="{FF2B5EF4-FFF2-40B4-BE49-F238E27FC236}">
-                <a16:creationId xmlns:a16="http://schemas.microsoft.com/office/drawing/2014/main" id="{B651C527-C0DC-4BAD-A5D0-41E46079B9A8}"/>
-              </a:ext>
-            </a:extLst>
-          </p:cNvPr>
-          <p:cNvSpPr/>
-          <p:nvPr/>
-        </p:nvSpPr>
-        <p:spPr>
-          <a:xfrm>
-            <a:off x="5832165" y="4212163"/>
-            <a:ext cx="2903544" cy="1916718"/>
-          </a:xfrm>
-          <a:prstGeom prst="roundRect">
-            <a:avLst/>
-          </a:prstGeom>
-        </p:spPr>
-        <p:style>
-          <a:lnRef idx="2">
-            <a:schemeClr val="accent4">
-              <a:shade val="50000"/>
-            </a:schemeClr>
-          </a:lnRef>
-          <a:fillRef idx="1">
-            <a:schemeClr val="accent4"/>
-          </a:fillRef>
-          <a:effectRef idx="0">
-            <a:schemeClr val="accent4"/>
-          </a:effectRef>
-          <a:fontRef idx="minor">
-            <a:schemeClr val="lt1"/>
-          </a:fontRef>
-        </p:style>
-        <p:txBody>
-          <a:bodyPr rtlCol="0" anchor="ctr"/>
-          <a:lstStyle/>
-          <a:p>
-            <a:pPr algn="ctr"/>
-            <a:endParaRPr lang="pt-BR" dirty="0"/>
-          </a:p>
-        </p:txBody>
-      </p:sp>
       <p:pic>
         <p:nvPicPr>
-          <p:cNvPr id="1036" name="Picture 12" descr="MOSSORÓ-RN – Página: 2 – Lumos Juridico">
-            <a:extLst>
-              <a:ext uri="{FF2B5EF4-FFF2-40B4-BE49-F238E27FC236}">
-                <a16:creationId xmlns:a16="http://schemas.microsoft.com/office/drawing/2014/main" id="{D77BC035-4409-497C-A9F9-B1EFE7D20CE2}"/>
+          <p:cNvPr id="14" name="Picture 18" descr="Freepik | Graphic Resources for everyone | Camera de desenho, Ideias de  tatuagem tumblr, Sinal de neon">
+            <a:extLst>
+              <a:ext uri="{FF2B5EF4-FFF2-40B4-BE49-F238E27FC236}">
+                <a16:creationId xmlns:a16="http://schemas.microsoft.com/office/drawing/2014/main" id="{CFBEFF12-1B7E-45B2-8E28-9ABEE683F0E9}"/>
               </a:ext>
             </a:extLst>
           </p:cNvPr>
@@ -5625,7 +7058,7 @@
           <p:nvPr/>
         </p:nvPicPr>
         <p:blipFill>
-          <a:blip r:embed="rId6">
+          <a:blip r:embed="rId7">
             <a:extLst>
               <a:ext uri="{28A0092B-C50C-407E-A947-70E740481C1C}">
                 <a14:useLocalDpi xmlns:a14="http://schemas.microsoft.com/office/drawing/2010/main" val="0"/>
@@ -5639,48 +7072,8 @@
         </p:blipFill>
         <p:spPr bwMode="auto">
           <a:xfrm>
-            <a:off x="5957654" y="4298652"/>
-            <a:ext cx="2674158" cy="1757028"/>
-          </a:xfrm>
-          <a:prstGeom prst="rect">
-            <a:avLst/>
-          </a:prstGeom>
-          <a:noFill/>
-          <a:extLst>
-            <a:ext uri="{909E8E84-426E-40DD-AFC4-6F175D3DCCD1}">
-              <a14:hiddenFill xmlns:a14="http://schemas.microsoft.com/office/drawing/2010/main">
-                <a:solidFill>
-                  <a:srgbClr val="FFFFFF"/>
-                </a:solidFill>
-              </a14:hiddenFill>
-            </a:ext>
-          </a:extLst>
-        </p:spPr>
-      </p:pic>
-      <p:pic>
-        <p:nvPicPr>
-          <p:cNvPr id="12" name="Imagem 11">
-            <a:extLst>
-              <a:ext uri="{FF2B5EF4-FFF2-40B4-BE49-F238E27FC236}">
-                <a16:creationId xmlns:a16="http://schemas.microsoft.com/office/drawing/2014/main" id="{2E4AB332-45C1-46A5-97AD-01AF59122363}"/>
-              </a:ext>
-            </a:extLst>
-          </p:cNvPr>
-          <p:cNvPicPr>
-            <a:picLocks noChangeAspect="1"/>
-          </p:cNvPicPr>
-          <p:nvPr/>
-        </p:nvPicPr>
-        <p:blipFill>
-          <a:blip r:embed="rId7"/>
-          <a:stretch>
-            <a:fillRect/>
-          </a:stretch>
-        </p:blipFill>
-        <p:spPr>
-          <a:xfrm rot="599127">
-            <a:off x="6320426" y="4832550"/>
-            <a:ext cx="473060" cy="508364"/>
+            <a:off x="4878797" y="934335"/>
+            <a:ext cx="375346" cy="375346"/>
           </a:xfrm>
           <a:prstGeom prst="roundRect">
             <a:avLst>
@@ -5709,90 +7102,6 @@
               <a:srgbClr val="969696"/>
             </a:contourClr>
           </a:sp3d>
-        </p:spPr>
-      </p:pic>
-      <p:sp>
-        <p:nvSpPr>
-          <p:cNvPr id="71" name="Retângulo: Cantos Arredondados 70">
-            <a:extLst>
-              <a:ext uri="{FF2B5EF4-FFF2-40B4-BE49-F238E27FC236}">
-                <a16:creationId xmlns:a16="http://schemas.microsoft.com/office/drawing/2014/main" id="{DBF63389-C9B6-48DF-A837-5BE5EDD54C0C}"/>
-              </a:ext>
-            </a:extLst>
-          </p:cNvPr>
-          <p:cNvSpPr/>
-          <p:nvPr/>
-        </p:nvSpPr>
-        <p:spPr>
-          <a:xfrm>
-            <a:off x="1744143" y="4226809"/>
-            <a:ext cx="2760600" cy="1916718"/>
-          </a:xfrm>
-          <a:prstGeom prst="roundRect">
-            <a:avLst/>
-          </a:prstGeom>
-        </p:spPr>
-        <p:style>
-          <a:lnRef idx="2">
-            <a:schemeClr val="accent4">
-              <a:shade val="50000"/>
-            </a:schemeClr>
-          </a:lnRef>
-          <a:fillRef idx="1">
-            <a:schemeClr val="accent4"/>
-          </a:fillRef>
-          <a:effectRef idx="0">
-            <a:schemeClr val="accent4"/>
-          </a:effectRef>
-          <a:fontRef idx="minor">
-            <a:schemeClr val="lt1"/>
-          </a:fontRef>
-        </p:style>
-        <p:txBody>
-          <a:bodyPr rtlCol="0" anchor="ctr"/>
-          <a:lstStyle/>
-          <a:p>
-            <a:pPr algn="ctr"/>
-            <a:endParaRPr lang="pt-BR" dirty="0"/>
-          </a:p>
-        </p:txBody>
-      </p:sp>
-      <p:pic>
-        <p:nvPicPr>
-          <p:cNvPr id="1040" name="Picture 16" descr="Uber Flash: opção de envios de itens pelo app chega a todo País |  Mercado&amp;Consumo">
-            <a:extLst>
-              <a:ext uri="{FF2B5EF4-FFF2-40B4-BE49-F238E27FC236}">
-                <a16:creationId xmlns:a16="http://schemas.microsoft.com/office/drawing/2014/main" id="{C813008C-04CA-415B-988D-C610FCAEEDC6}"/>
-              </a:ext>
-            </a:extLst>
-          </p:cNvPr>
-          <p:cNvPicPr>
-            <a:picLocks noChangeAspect="1" noChangeArrowheads="1"/>
-          </p:cNvPicPr>
-          <p:nvPr/>
-        </p:nvPicPr>
-        <p:blipFill>
-          <a:blip r:embed="rId8">
-            <a:extLst>
-              <a:ext uri="{28A0092B-C50C-407E-A947-70E740481C1C}">
-                <a14:useLocalDpi xmlns:a14="http://schemas.microsoft.com/office/drawing/2010/main" val="0"/>
-              </a:ext>
-            </a:extLst>
-          </a:blip>
-          <a:srcRect/>
-          <a:stretch>
-            <a:fillRect/>
-          </a:stretch>
-        </p:blipFill>
-        <p:spPr bwMode="auto">
-          <a:xfrm>
-            <a:off x="1838242" y="4284584"/>
-            <a:ext cx="2571750" cy="1781175"/>
-          </a:xfrm>
-          <a:prstGeom prst="rect">
-            <a:avLst/>
-          </a:prstGeom>
-          <a:noFill/>
           <a:extLst>
             <a:ext uri="{909E8E84-426E-40DD-AFC4-6F175D3DCCD1}">
               <a14:hiddenFill xmlns:a14="http://schemas.microsoft.com/office/drawing/2010/main">
@@ -5804,42 +7113,12 @@
           </a:extLst>
         </p:spPr>
       </p:pic>
-      <p:pic>
-        <p:nvPicPr>
-          <p:cNvPr id="57" name="Imagem 56">
-            <a:extLst>
-              <a:ext uri="{FF2B5EF4-FFF2-40B4-BE49-F238E27FC236}">
-                <a16:creationId xmlns:a16="http://schemas.microsoft.com/office/drawing/2014/main" id="{15D56D42-74DA-410B-AAF4-6E33DEE903CD}"/>
-              </a:ext>
-            </a:extLst>
-          </p:cNvPr>
-          <p:cNvPicPr>
-            <a:picLocks noChangeAspect="1"/>
-          </p:cNvPicPr>
-          <p:nvPr/>
-        </p:nvPicPr>
-        <p:blipFill>
-          <a:blip r:embed="rId9"/>
-          <a:stretch>
-            <a:fillRect/>
-          </a:stretch>
-        </p:blipFill>
-        <p:spPr>
-          <a:xfrm rot="878526">
-            <a:off x="3229136" y="4775463"/>
-            <a:ext cx="406736" cy="782761"/>
-          </a:xfrm>
-          <a:prstGeom prst="rect">
-            <a:avLst/>
-          </a:prstGeom>
-        </p:spPr>
-      </p:pic>
-      <p:sp>
-        <p:nvSpPr>
-          <p:cNvPr id="72" name="CaixaDeTexto 71">
-            <a:extLst>
-              <a:ext uri="{FF2B5EF4-FFF2-40B4-BE49-F238E27FC236}">
-                <a16:creationId xmlns:a16="http://schemas.microsoft.com/office/drawing/2014/main" id="{E1921659-EAE5-491C-BC04-C2FB01F26917}"/>
+      <p:sp>
+        <p:nvSpPr>
+          <p:cNvPr id="15" name="CaixaDeTexto 14">
+            <a:extLst>
+              <a:ext uri="{FF2B5EF4-FFF2-40B4-BE49-F238E27FC236}">
+                <a16:creationId xmlns:a16="http://schemas.microsoft.com/office/drawing/2014/main" id="{8DD74BE6-FCF5-4294-8F49-D2F35E4EFB31}"/>
               </a:ext>
             </a:extLst>
           </p:cNvPr>
@@ -5848,31 +7127,14 @@
         </p:nvSpPr>
         <p:spPr>
           <a:xfrm>
-            <a:off x="1051513" y="6123534"/>
-            <a:ext cx="4273305" cy="584775"/>
+            <a:off x="4740179" y="595781"/>
+            <a:ext cx="770384" cy="338554"/>
           </a:xfrm>
           <a:prstGeom prst="rect">
             <a:avLst/>
           </a:prstGeom>
           <a:noFill/>
-          <a:ln>
-            <a:noFill/>
-          </a:ln>
-        </p:spPr>
-        <p:style>
-          <a:lnRef idx="0">
-            <a:scrgbClr r="0" g="0" b="0"/>
-          </a:lnRef>
-          <a:fillRef idx="0">
-            <a:scrgbClr r="0" g="0" b="0"/>
-          </a:fillRef>
-          <a:effectRef idx="0">
-            <a:scrgbClr r="0" g="0" b="0"/>
-          </a:effectRef>
-          <a:fontRef idx="minor">
-            <a:schemeClr val="accent4"/>
-          </a:fontRef>
-        </p:style>
+        </p:spPr>
         <p:txBody>
           <a:bodyPr wrap="square" rtlCol="0">
             <a:spAutoFit/>
@@ -5880,18 +7142,22 @@
           <a:lstStyle/>
           <a:p>
             <a:r>
-              <a:rPr lang="pt-BR" sz="1600" b="1" dirty="0"/>
-              <a:t>Aplicativo informa para o motorista qual o local mais seguro para se transitar</a:t>
+              <a:rPr lang="pt-BR" sz="1600" b="1" dirty="0">
+                <a:solidFill>
+                  <a:schemeClr val="bg2"/>
+                </a:solidFill>
+              </a:rPr>
+              <a:t>4/5 G</a:t>
             </a:r>
           </a:p>
         </p:txBody>
       </p:sp>
       <p:sp>
         <p:nvSpPr>
-          <p:cNvPr id="73" name="Seta: para a Direita 72">
-            <a:extLst>
-              <a:ext uri="{FF2B5EF4-FFF2-40B4-BE49-F238E27FC236}">
-                <a16:creationId xmlns:a16="http://schemas.microsoft.com/office/drawing/2014/main" id="{3C79A501-2B71-4A7E-969C-8DAB07D9848E}"/>
+          <p:cNvPr id="16" name="Seta: para a Direita 15">
+            <a:extLst>
+              <a:ext uri="{FF2B5EF4-FFF2-40B4-BE49-F238E27FC236}">
+                <a16:creationId xmlns:a16="http://schemas.microsoft.com/office/drawing/2014/main" id="{3E465E88-E6C4-4E7D-927C-E36D5C1D688A}"/>
               </a:ext>
             </a:extLst>
           </p:cNvPr>
@@ -5899,9 +7165,9 @@
           <p:nvPr/>
         </p:nvSpPr>
         <p:spPr>
-          <a:xfrm rot="10800000">
-            <a:off x="4757776" y="5200497"/>
-            <a:ext cx="723655" cy="323557"/>
+          <a:xfrm rot="18891062">
+            <a:off x="4600626" y="1355620"/>
+            <a:ext cx="279103" cy="220885"/>
           </a:xfrm>
           <a:prstGeom prst="rightArrow">
             <a:avLst/>
@@ -5952,16 +7218,20 @@
           <a:lstStyle/>
           <a:p>
             <a:pPr algn="ctr"/>
-            <a:endParaRPr lang="pt-BR"/>
-          </a:p>
-        </p:txBody>
-      </p:sp>
-      <p:sp>
-        <p:nvSpPr>
-          <p:cNvPr id="74" name="Seta: Dobrada 73">
-            <a:extLst>
-              <a:ext uri="{FF2B5EF4-FFF2-40B4-BE49-F238E27FC236}">
-                <a16:creationId xmlns:a16="http://schemas.microsoft.com/office/drawing/2014/main" id="{FDC1989C-9151-45DA-8953-873B5FA40D4A}"/>
+            <a:endParaRPr lang="pt-BR">
+              <a:solidFill>
+                <a:schemeClr val="bg2"/>
+              </a:solidFill>
+            </a:endParaRPr>
+          </a:p>
+        </p:txBody>
+      </p:sp>
+      <p:sp>
+        <p:nvSpPr>
+          <p:cNvPr id="18" name="Elipse 17">
+            <a:extLst>
+              <a:ext uri="{FF2B5EF4-FFF2-40B4-BE49-F238E27FC236}">
+                <a16:creationId xmlns:a16="http://schemas.microsoft.com/office/drawing/2014/main" id="{80BEC632-4BEE-49FB-B4F7-B2EB4C7EE100}"/>
               </a:ext>
             </a:extLst>
           </p:cNvPr>
@@ -5969,17 +7239,688 @@
           <p:nvPr/>
         </p:nvSpPr>
         <p:spPr>
-          <a:xfrm rot="10800000">
-            <a:off x="9537895" y="5185168"/>
-            <a:ext cx="1474107" cy="687644"/>
-          </a:xfrm>
-          <a:prstGeom prst="bentArrow">
+          <a:xfrm>
+            <a:off x="7392620" y="2179354"/>
+            <a:ext cx="4072166" cy="2738829"/>
+          </a:xfrm>
+          <a:prstGeom prst="ellipse">
+            <a:avLst/>
+          </a:prstGeom>
+          <a:gradFill flip="none" rotWithShape="1">
+            <a:gsLst>
+              <a:gs pos="0">
+                <a:schemeClr val="dk1">
+                  <a:lumMod val="67000"/>
+                </a:schemeClr>
+              </a:gs>
+              <a:gs pos="48000">
+                <a:schemeClr val="dk1">
+                  <a:lumMod val="97000"/>
+                  <a:lumOff val="3000"/>
+                </a:schemeClr>
+              </a:gs>
+              <a:gs pos="100000">
+                <a:schemeClr val="dk1">
+                  <a:lumMod val="60000"/>
+                  <a:lumOff val="40000"/>
+                </a:schemeClr>
+              </a:gs>
+            </a:gsLst>
+            <a:path path="circle">
+              <a:fillToRect l="100000" t="100000"/>
+            </a:path>
+            <a:tileRect r="-100000" b="-100000"/>
+          </a:gradFill>
+          <a:ln>
+            <a:noFill/>
+          </a:ln>
+        </p:spPr>
+        <p:style>
+          <a:lnRef idx="0">
+            <a:scrgbClr r="0" g="0" b="0"/>
+          </a:lnRef>
+          <a:fillRef idx="0">
+            <a:scrgbClr r="0" g="0" b="0"/>
+          </a:fillRef>
+          <a:effectRef idx="0">
+            <a:scrgbClr r="0" g="0" b="0"/>
+          </a:effectRef>
+          <a:fontRef idx="minor">
+            <a:schemeClr val="lt1"/>
+          </a:fontRef>
+        </p:style>
+        <p:txBody>
+          <a:bodyPr rtlCol="0" anchor="ctr"/>
+          <a:lstStyle/>
+          <a:p>
+            <a:pPr algn="ctr"/>
+            <a:endParaRPr lang="pt-BR">
+              <a:solidFill>
+                <a:schemeClr val="bg2"/>
+              </a:solidFill>
+            </a:endParaRPr>
+          </a:p>
+        </p:txBody>
+      </p:sp>
+      <p:pic>
+        <p:nvPicPr>
+          <p:cNvPr id="1030" name="Picture 6" descr="Notebook: Encontre Promoções e o Menor Preço No Zoom">
+            <a:extLst>
+              <a:ext uri="{FF2B5EF4-FFF2-40B4-BE49-F238E27FC236}">
+                <a16:creationId xmlns:a16="http://schemas.microsoft.com/office/drawing/2014/main" id="{FBD2FBA1-64E5-45AF-9D3A-FE574115DBEB}"/>
+              </a:ext>
+            </a:extLst>
+          </p:cNvPr>
+          <p:cNvPicPr>
+            <a:picLocks noChangeAspect="1" noChangeArrowheads="1"/>
+          </p:cNvPicPr>
+          <p:nvPr/>
+        </p:nvPicPr>
+        <p:blipFill>
+          <a:blip r:embed="rId8">
+            <a:extLst>
+              <a:ext uri="{28A0092B-C50C-407E-A947-70E740481C1C}">
+                <a14:useLocalDpi xmlns:a14="http://schemas.microsoft.com/office/drawing/2010/main" val="0"/>
+              </a:ext>
+            </a:extLst>
+          </a:blip>
+          <a:srcRect/>
+          <a:stretch>
+            <a:fillRect/>
+          </a:stretch>
+        </p:blipFill>
+        <p:spPr bwMode="auto">
+          <a:xfrm>
+            <a:off x="9614015" y="3868829"/>
+            <a:ext cx="603812" cy="603812"/>
+          </a:xfrm>
+          <a:prstGeom prst="roundRect">
             <a:avLst>
-              <a:gd name="adj1" fmla="val 23522"/>
-              <a:gd name="adj2" fmla="val 32388"/>
-              <a:gd name="adj3" fmla="val 25000"/>
-              <a:gd name="adj4" fmla="val 42272"/>
+              <a:gd name="adj" fmla="val 16667"/>
             </a:avLst>
+          </a:prstGeom>
+          <a:ln>
+            <a:noFill/>
+          </a:ln>
+          <a:effectLst>
+            <a:outerShdw blurRad="76200" dist="38100" dir="7800000" algn="tl" rotWithShape="0">
+              <a:srgbClr val="000000">
+                <a:alpha val="40000"/>
+              </a:srgbClr>
+            </a:outerShdw>
+          </a:effectLst>
+          <a:scene3d>
+            <a:camera prst="orthographicFront"/>
+            <a:lightRig rig="contrasting" dir="t">
+              <a:rot lat="0" lon="0" rev="4200000"/>
+            </a:lightRig>
+          </a:scene3d>
+          <a:sp3d prstMaterial="plastic">
+            <a:bevelT w="381000" h="114300" prst="relaxedInset"/>
+            <a:contourClr>
+              <a:srgbClr val="969696"/>
+            </a:contourClr>
+          </a:sp3d>
+          <a:extLst>
+            <a:ext uri="{909E8E84-426E-40DD-AFC4-6F175D3DCCD1}">
+              <a14:hiddenFill xmlns:a14="http://schemas.microsoft.com/office/drawing/2010/main">
+                <a:solidFill>
+                  <a:srgbClr val="FFFFFF"/>
+                </a:solidFill>
+              </a14:hiddenFill>
+            </a:ext>
+          </a:extLst>
+        </p:spPr>
+      </p:pic>
+      <p:sp>
+        <p:nvSpPr>
+          <p:cNvPr id="21" name="CaixaDeTexto 20">
+            <a:extLst>
+              <a:ext uri="{FF2B5EF4-FFF2-40B4-BE49-F238E27FC236}">
+                <a16:creationId xmlns:a16="http://schemas.microsoft.com/office/drawing/2014/main" id="{212BF64E-8718-40C5-834D-834D97AC62B7}"/>
+              </a:ext>
+            </a:extLst>
+          </p:cNvPr>
+          <p:cNvSpPr txBox="1"/>
+          <p:nvPr/>
+        </p:nvSpPr>
+        <p:spPr>
+          <a:xfrm>
+            <a:off x="10185087" y="3648101"/>
+            <a:ext cx="1312439" cy="848018"/>
+          </a:xfrm>
+          <a:prstGeom prst="rect">
+            <a:avLst/>
+          </a:prstGeom>
+          <a:noFill/>
+        </p:spPr>
+        <p:txBody>
+          <a:bodyPr wrap="square" rtlCol="0">
+            <a:spAutoFit/>
+          </a:bodyPr>
+          <a:lstStyle/>
+          <a:p>
+            <a:r>
+              <a:rPr lang="pt-BR" sz="1600" b="1" dirty="0">
+                <a:solidFill>
+                  <a:schemeClr val="bg2"/>
+                </a:solidFill>
+              </a:rPr>
+              <a:t>Notebook</a:t>
+            </a:r>
+          </a:p>
+          <a:p>
+            <a:r>
+              <a:rPr lang="pt-BR" sz="1600" b="1" dirty="0">
+                <a:solidFill>
+                  <a:schemeClr val="bg2"/>
+                </a:solidFill>
+              </a:rPr>
+              <a:t>8 RAM</a:t>
+            </a:r>
+          </a:p>
+          <a:p>
+            <a:r>
+              <a:rPr lang="pt-BR" sz="1600" b="1" dirty="0">
+                <a:solidFill>
+                  <a:schemeClr val="bg2"/>
+                </a:solidFill>
+              </a:rPr>
+              <a:t>I5 </a:t>
+            </a:r>
+          </a:p>
+        </p:txBody>
+      </p:sp>
+      <p:sp>
+        <p:nvSpPr>
+          <p:cNvPr id="22" name="Seta: para a Direita 21">
+            <a:extLst>
+              <a:ext uri="{FF2B5EF4-FFF2-40B4-BE49-F238E27FC236}">
+                <a16:creationId xmlns:a16="http://schemas.microsoft.com/office/drawing/2014/main" id="{316C2802-CF56-4700-A0A3-300C7637ED2A}"/>
+              </a:ext>
+            </a:extLst>
+          </p:cNvPr>
+          <p:cNvSpPr/>
+          <p:nvPr/>
+        </p:nvSpPr>
+        <p:spPr>
+          <a:xfrm rot="1387151">
+            <a:off x="6033042" y="1921126"/>
+            <a:ext cx="1492394" cy="462676"/>
+          </a:xfrm>
+          <a:prstGeom prst="rightArrow">
+            <a:avLst/>
+          </a:prstGeom>
+          <a:gradFill flip="none" rotWithShape="1">
+            <a:gsLst>
+              <a:gs pos="0">
+                <a:schemeClr val="dk1">
+                  <a:lumMod val="67000"/>
+                </a:schemeClr>
+              </a:gs>
+              <a:gs pos="48000">
+                <a:schemeClr val="dk1">
+                  <a:lumMod val="97000"/>
+                  <a:lumOff val="3000"/>
+                </a:schemeClr>
+              </a:gs>
+              <a:gs pos="100000">
+                <a:schemeClr val="dk1">
+                  <a:lumMod val="60000"/>
+                  <a:lumOff val="40000"/>
+                </a:schemeClr>
+              </a:gs>
+            </a:gsLst>
+            <a:lin ang="0" scaled="1"/>
+            <a:tileRect/>
+          </a:gradFill>
+          <a:ln>
+            <a:noFill/>
+          </a:ln>
+        </p:spPr>
+        <p:style>
+          <a:lnRef idx="0">
+            <a:scrgbClr r="0" g="0" b="0"/>
+          </a:lnRef>
+          <a:fillRef idx="0">
+            <a:scrgbClr r="0" g="0" b="0"/>
+          </a:fillRef>
+          <a:effectRef idx="0">
+            <a:scrgbClr r="0" g="0" b="0"/>
+          </a:effectRef>
+          <a:fontRef idx="minor">
+            <a:schemeClr val="lt1"/>
+          </a:fontRef>
+        </p:style>
+        <p:txBody>
+          <a:bodyPr rtlCol="0" anchor="ctr"/>
+          <a:lstStyle/>
+          <a:p>
+            <a:pPr algn="ctr"/>
+            <a:endParaRPr lang="pt-BR">
+              <a:solidFill>
+                <a:schemeClr val="bg2"/>
+              </a:solidFill>
+            </a:endParaRPr>
+          </a:p>
+        </p:txBody>
+      </p:sp>
+      <p:pic>
+        <p:nvPicPr>
+          <p:cNvPr id="1032" name="Picture 8" descr="Center., dados, servidores. Apartamento, centro, servidores, desenho,  icon., dados, style., rede. | CanStock">
+            <a:extLst>
+              <a:ext uri="{FF2B5EF4-FFF2-40B4-BE49-F238E27FC236}">
+                <a16:creationId xmlns:a16="http://schemas.microsoft.com/office/drawing/2014/main" id="{15AC7EE5-1005-4240-89DD-02A172B595F1}"/>
+              </a:ext>
+            </a:extLst>
+          </p:cNvPr>
+          <p:cNvPicPr>
+            <a:picLocks noChangeAspect="1" noChangeArrowheads="1"/>
+          </p:cNvPicPr>
+          <p:nvPr/>
+        </p:nvPicPr>
+        <p:blipFill>
+          <a:blip r:embed="rId9">
+            <a:extLst>
+              <a:ext uri="{28A0092B-C50C-407E-A947-70E740481C1C}">
+                <a14:useLocalDpi xmlns:a14="http://schemas.microsoft.com/office/drawing/2010/main" val="0"/>
+              </a:ext>
+            </a:extLst>
+          </a:blip>
+          <a:srcRect/>
+          <a:stretch>
+            <a:fillRect/>
+          </a:stretch>
+        </p:blipFill>
+        <p:spPr bwMode="auto">
+          <a:xfrm>
+            <a:off x="8422761" y="3837401"/>
+            <a:ext cx="603812" cy="592625"/>
+          </a:xfrm>
+          <a:prstGeom prst="roundRect">
+            <a:avLst>
+              <a:gd name="adj" fmla="val 16667"/>
+            </a:avLst>
+          </a:prstGeom>
+          <a:ln>
+            <a:noFill/>
+          </a:ln>
+          <a:effectLst>
+            <a:outerShdw blurRad="76200" dist="38100" dir="7800000" algn="tl" rotWithShape="0">
+              <a:srgbClr val="000000">
+                <a:alpha val="40000"/>
+              </a:srgbClr>
+            </a:outerShdw>
+          </a:effectLst>
+          <a:scene3d>
+            <a:camera prst="orthographicFront"/>
+            <a:lightRig rig="contrasting" dir="t">
+              <a:rot lat="0" lon="0" rev="4200000"/>
+            </a:lightRig>
+          </a:scene3d>
+          <a:sp3d prstMaterial="plastic">
+            <a:bevelT w="381000" h="114300" prst="relaxedInset"/>
+            <a:contourClr>
+              <a:srgbClr val="969696"/>
+            </a:contourClr>
+          </a:sp3d>
+          <a:extLst>
+            <a:ext uri="{909E8E84-426E-40DD-AFC4-6F175D3DCCD1}">
+              <a14:hiddenFill xmlns:a14="http://schemas.microsoft.com/office/drawing/2010/main">
+                <a:solidFill>
+                  <a:srgbClr val="FFFFFF"/>
+                </a:solidFill>
+              </a14:hiddenFill>
+            </a:ext>
+          </a:extLst>
+        </p:spPr>
+      </p:pic>
+      <p:sp>
+        <p:nvSpPr>
+          <p:cNvPr id="24" name="CaixaDeTexto 23">
+            <a:extLst>
+              <a:ext uri="{FF2B5EF4-FFF2-40B4-BE49-F238E27FC236}">
+                <a16:creationId xmlns:a16="http://schemas.microsoft.com/office/drawing/2014/main" id="{41A502AD-6DB6-4F98-892F-817DF91E75AE}"/>
+              </a:ext>
+            </a:extLst>
+          </p:cNvPr>
+          <p:cNvSpPr txBox="1"/>
+          <p:nvPr/>
+        </p:nvSpPr>
+        <p:spPr>
+          <a:xfrm>
+            <a:off x="9389714" y="3092518"/>
+            <a:ext cx="1474657" cy="338554"/>
+          </a:xfrm>
+          <a:prstGeom prst="rect">
+            <a:avLst/>
+          </a:prstGeom>
+          <a:noFill/>
+        </p:spPr>
+        <p:txBody>
+          <a:bodyPr wrap="square" rtlCol="0">
+            <a:spAutoFit/>
+          </a:bodyPr>
+          <a:lstStyle/>
+          <a:p>
+            <a:r>
+              <a:rPr lang="pt-BR" sz="1600" b="1" dirty="0">
+                <a:solidFill>
+                  <a:schemeClr val="bg2"/>
+                </a:solidFill>
+              </a:rPr>
+              <a:t>API Node JS</a:t>
+            </a:r>
+          </a:p>
+        </p:txBody>
+      </p:sp>
+      <p:pic>
+        <p:nvPicPr>
+          <p:cNvPr id="29" name="Picture 18" descr="Freepik | Graphic Resources for everyone | Camera de desenho, Ideias de  tatuagem tumblr, Sinal de neon">
+            <a:extLst>
+              <a:ext uri="{FF2B5EF4-FFF2-40B4-BE49-F238E27FC236}">
+                <a16:creationId xmlns:a16="http://schemas.microsoft.com/office/drawing/2014/main" id="{5CB19055-94AB-4C1A-A476-C188B0B1663C}"/>
+              </a:ext>
+            </a:extLst>
+          </p:cNvPr>
+          <p:cNvPicPr>
+            <a:picLocks noChangeAspect="1" noChangeArrowheads="1"/>
+          </p:cNvPicPr>
+          <p:nvPr/>
+        </p:nvPicPr>
+        <p:blipFill>
+          <a:blip r:embed="rId7">
+            <a:extLst>
+              <a:ext uri="{28A0092B-C50C-407E-A947-70E740481C1C}">
+                <a14:useLocalDpi xmlns:a14="http://schemas.microsoft.com/office/drawing/2010/main" val="0"/>
+              </a:ext>
+            </a:extLst>
+          </a:blip>
+          <a:srcRect/>
+          <a:stretch>
+            <a:fillRect/>
+          </a:stretch>
+        </p:blipFill>
+        <p:spPr bwMode="auto">
+          <a:xfrm>
+            <a:off x="7214491" y="1285418"/>
+            <a:ext cx="603844" cy="603844"/>
+          </a:xfrm>
+          <a:prstGeom prst="roundRect">
+            <a:avLst>
+              <a:gd name="adj" fmla="val 16667"/>
+            </a:avLst>
+          </a:prstGeom>
+          <a:ln>
+            <a:noFill/>
+          </a:ln>
+          <a:effectLst>
+            <a:outerShdw blurRad="76200" dist="38100" dir="7800000" algn="tl" rotWithShape="0">
+              <a:srgbClr val="000000">
+                <a:alpha val="40000"/>
+              </a:srgbClr>
+            </a:outerShdw>
+          </a:effectLst>
+          <a:scene3d>
+            <a:camera prst="orthographicFront"/>
+            <a:lightRig rig="contrasting" dir="t">
+              <a:rot lat="0" lon="0" rev="4200000"/>
+            </a:lightRig>
+          </a:scene3d>
+          <a:sp3d prstMaterial="plastic">
+            <a:bevelT w="381000" h="114300" prst="relaxedInset"/>
+            <a:contourClr>
+              <a:srgbClr val="969696"/>
+            </a:contourClr>
+          </a:sp3d>
+          <a:extLst>
+            <a:ext uri="{909E8E84-426E-40DD-AFC4-6F175D3DCCD1}">
+              <a14:hiddenFill xmlns:a14="http://schemas.microsoft.com/office/drawing/2010/main">
+                <a:solidFill>
+                  <a:srgbClr val="FFFFFF"/>
+                </a:solidFill>
+              </a14:hiddenFill>
+            </a:ext>
+          </a:extLst>
+        </p:spPr>
+      </p:pic>
+      <p:pic>
+        <p:nvPicPr>
+          <p:cNvPr id="1036" name="Picture 12" descr="Microsoft Azure – TahTec Soluções">
+            <a:extLst>
+              <a:ext uri="{FF2B5EF4-FFF2-40B4-BE49-F238E27FC236}">
+                <a16:creationId xmlns:a16="http://schemas.microsoft.com/office/drawing/2014/main" id="{E4B01D88-ADB8-4C11-AFA1-A578D0566A9B}"/>
+              </a:ext>
+            </a:extLst>
+          </p:cNvPr>
+          <p:cNvPicPr>
+            <a:picLocks noChangeAspect="1" noChangeArrowheads="1"/>
+          </p:cNvPicPr>
+          <p:nvPr/>
+        </p:nvPicPr>
+        <p:blipFill>
+          <a:blip r:embed="rId10">
+            <a:extLst>
+              <a:ext uri="{28A0092B-C50C-407E-A947-70E740481C1C}">
+                <a14:useLocalDpi xmlns:a14="http://schemas.microsoft.com/office/drawing/2010/main" val="0"/>
+              </a:ext>
+            </a:extLst>
+          </a:blip>
+          <a:srcRect/>
+          <a:stretch>
+            <a:fillRect/>
+          </a:stretch>
+        </p:blipFill>
+        <p:spPr bwMode="auto">
+          <a:xfrm>
+            <a:off x="8175183" y="2596817"/>
+            <a:ext cx="796246" cy="414765"/>
+          </a:xfrm>
+          <a:prstGeom prst="roundRect">
+            <a:avLst>
+              <a:gd name="adj" fmla="val 16667"/>
+            </a:avLst>
+          </a:prstGeom>
+          <a:ln>
+            <a:noFill/>
+          </a:ln>
+          <a:effectLst>
+            <a:outerShdw blurRad="76200" dist="38100" dir="7800000" algn="tl" rotWithShape="0">
+              <a:srgbClr val="000000">
+                <a:alpha val="40000"/>
+              </a:srgbClr>
+            </a:outerShdw>
+          </a:effectLst>
+          <a:scene3d>
+            <a:camera prst="orthographicFront"/>
+            <a:lightRig rig="contrasting" dir="t">
+              <a:rot lat="0" lon="0" rev="4200000"/>
+            </a:lightRig>
+          </a:scene3d>
+          <a:sp3d prstMaterial="plastic">
+            <a:bevelT w="381000" h="114300" prst="relaxedInset"/>
+            <a:contourClr>
+              <a:srgbClr val="969696"/>
+            </a:contourClr>
+          </a:sp3d>
+          <a:extLst>
+            <a:ext uri="{909E8E84-426E-40DD-AFC4-6F175D3DCCD1}">
+              <a14:hiddenFill xmlns:a14="http://schemas.microsoft.com/office/drawing/2010/main">
+                <a:solidFill>
+                  <a:srgbClr val="FFFFFF"/>
+                </a:solidFill>
+              </a14:hiddenFill>
+            </a:ext>
+          </a:extLst>
+        </p:spPr>
+      </p:pic>
+      <p:sp>
+        <p:nvSpPr>
+          <p:cNvPr id="31" name="CaixaDeTexto 30">
+            <a:extLst>
+              <a:ext uri="{FF2B5EF4-FFF2-40B4-BE49-F238E27FC236}">
+                <a16:creationId xmlns:a16="http://schemas.microsoft.com/office/drawing/2014/main" id="{3794E9D8-5FDB-4103-8BA7-49E5F93AE307}"/>
+              </a:ext>
+            </a:extLst>
+          </p:cNvPr>
+          <p:cNvSpPr txBox="1"/>
+          <p:nvPr/>
+        </p:nvSpPr>
+        <p:spPr>
+          <a:xfrm>
+            <a:off x="8157174" y="3004090"/>
+            <a:ext cx="892972" cy="584775"/>
+          </a:xfrm>
+          <a:prstGeom prst="rect">
+            <a:avLst/>
+          </a:prstGeom>
+          <a:noFill/>
+        </p:spPr>
+        <p:txBody>
+          <a:bodyPr wrap="square" rtlCol="0">
+            <a:spAutoFit/>
+          </a:bodyPr>
+          <a:lstStyle/>
+          <a:p>
+            <a:r>
+              <a:rPr lang="pt-BR" sz="1600" b="1" dirty="0">
+                <a:solidFill>
+                  <a:schemeClr val="bg2"/>
+                </a:solidFill>
+              </a:rPr>
+              <a:t>Azure/Nuvem</a:t>
+            </a:r>
+          </a:p>
+        </p:txBody>
+      </p:sp>
+      <p:pic>
+        <p:nvPicPr>
+          <p:cNvPr id="1038" name="Picture 14" descr="Node.js – Wikipédia, a enciclopédia livre">
+            <a:extLst>
+              <a:ext uri="{FF2B5EF4-FFF2-40B4-BE49-F238E27FC236}">
+                <a16:creationId xmlns:a16="http://schemas.microsoft.com/office/drawing/2014/main" id="{12DEDFED-859C-413D-ABD5-7DCCC6D6C32E}"/>
+              </a:ext>
+            </a:extLst>
+          </p:cNvPr>
+          <p:cNvPicPr>
+            <a:picLocks noChangeAspect="1" noChangeArrowheads="1"/>
+          </p:cNvPicPr>
+          <p:nvPr/>
+        </p:nvPicPr>
+        <p:blipFill>
+          <a:blip r:embed="rId11">
+            <a:extLst>
+              <a:ext uri="{28A0092B-C50C-407E-A947-70E740481C1C}">
+                <a14:useLocalDpi xmlns:a14="http://schemas.microsoft.com/office/drawing/2010/main" val="0"/>
+              </a:ext>
+            </a:extLst>
+          </a:blip>
+          <a:srcRect/>
+          <a:stretch>
+            <a:fillRect/>
+          </a:stretch>
+        </p:blipFill>
+        <p:spPr bwMode="auto">
+          <a:xfrm>
+            <a:off x="9657345" y="2624643"/>
+            <a:ext cx="796247" cy="485517"/>
+          </a:xfrm>
+          <a:prstGeom prst="roundRect">
+            <a:avLst>
+              <a:gd name="adj" fmla="val 16667"/>
+            </a:avLst>
+          </a:prstGeom>
+          <a:ln>
+            <a:noFill/>
+          </a:ln>
+          <a:effectLst>
+            <a:outerShdw blurRad="76200" dist="38100" dir="7800000" algn="tl" rotWithShape="0">
+              <a:srgbClr val="000000">
+                <a:alpha val="40000"/>
+              </a:srgbClr>
+            </a:outerShdw>
+          </a:effectLst>
+          <a:scene3d>
+            <a:camera prst="orthographicFront"/>
+            <a:lightRig rig="contrasting" dir="t">
+              <a:rot lat="0" lon="0" rev="4200000"/>
+            </a:lightRig>
+          </a:scene3d>
+          <a:sp3d prstMaterial="plastic">
+            <a:bevelT w="381000" h="114300" prst="relaxedInset"/>
+            <a:contourClr>
+              <a:srgbClr val="969696"/>
+            </a:contourClr>
+          </a:sp3d>
+          <a:extLst>
+            <a:ext uri="{909E8E84-426E-40DD-AFC4-6F175D3DCCD1}">
+              <a14:hiddenFill xmlns:a14="http://schemas.microsoft.com/office/drawing/2010/main">
+                <a:solidFill>
+                  <a:srgbClr val="FFFFFF"/>
+                </a:solidFill>
+              </a14:hiddenFill>
+            </a:ext>
+          </a:extLst>
+        </p:spPr>
+      </p:pic>
+      <p:sp>
+        <p:nvSpPr>
+          <p:cNvPr id="33" name="CaixaDeTexto 32">
+            <a:extLst>
+              <a:ext uri="{FF2B5EF4-FFF2-40B4-BE49-F238E27FC236}">
+                <a16:creationId xmlns:a16="http://schemas.microsoft.com/office/drawing/2014/main" id="{F237C028-A372-4A08-BBF7-60A0FA4A6AC1}"/>
+              </a:ext>
+            </a:extLst>
+          </p:cNvPr>
+          <p:cNvSpPr txBox="1"/>
+          <p:nvPr/>
+        </p:nvSpPr>
+        <p:spPr>
+          <a:xfrm>
+            <a:off x="8266366" y="4415058"/>
+            <a:ext cx="1044975" cy="338554"/>
+          </a:xfrm>
+          <a:prstGeom prst="rect">
+            <a:avLst/>
+          </a:prstGeom>
+          <a:noFill/>
+        </p:spPr>
+        <p:txBody>
+          <a:bodyPr wrap="square" rtlCol="0">
+            <a:spAutoFit/>
+          </a:bodyPr>
+          <a:lstStyle/>
+          <a:p>
+            <a:r>
+              <a:rPr lang="pt-BR" sz="1600" b="1" dirty="0">
+                <a:solidFill>
+                  <a:schemeClr val="bg2"/>
+                </a:solidFill>
+              </a:rPr>
+              <a:t>Servidor</a:t>
+            </a:r>
+          </a:p>
+        </p:txBody>
+      </p:sp>
+      <p:sp>
+        <p:nvSpPr>
+          <p:cNvPr id="34" name="Seta: para a Direita 33">
+            <a:extLst>
+              <a:ext uri="{FF2B5EF4-FFF2-40B4-BE49-F238E27FC236}">
+                <a16:creationId xmlns:a16="http://schemas.microsoft.com/office/drawing/2014/main" id="{C5A08035-6DF3-4966-AE7A-9661FFD3406E}"/>
+              </a:ext>
+            </a:extLst>
+          </p:cNvPr>
+          <p:cNvSpPr/>
+          <p:nvPr/>
+        </p:nvSpPr>
+        <p:spPr>
+          <a:xfrm>
+            <a:off x="9159767" y="2787086"/>
+            <a:ext cx="315094" cy="176806"/>
+          </a:xfrm>
+          <a:prstGeom prst="rightArrow">
+            <a:avLst/>
           </a:prstGeom>
           <a:gradFill flip="none" rotWithShape="1">
             <a:gsLst>
@@ -6029,18 +7970,424 @@
             <a:pPr algn="ctr"/>
             <a:endParaRPr lang="pt-BR">
               <a:solidFill>
-                <a:schemeClr val="tx1"/>
+                <a:schemeClr val="bg2"/>
               </a:solidFill>
             </a:endParaRPr>
           </a:p>
         </p:txBody>
       </p:sp>
+      <p:sp>
+        <p:nvSpPr>
+          <p:cNvPr id="35" name="Seta: para a Direita 34">
+            <a:extLst>
+              <a:ext uri="{FF2B5EF4-FFF2-40B4-BE49-F238E27FC236}">
+                <a16:creationId xmlns:a16="http://schemas.microsoft.com/office/drawing/2014/main" id="{0F2106BB-9D89-4A33-8020-4F5A1BF1FE0C}"/>
+              </a:ext>
+            </a:extLst>
+          </p:cNvPr>
+          <p:cNvSpPr/>
+          <p:nvPr/>
+        </p:nvSpPr>
+        <p:spPr>
+          <a:xfrm rot="5400000">
+            <a:off x="9969495" y="3511424"/>
+            <a:ext cx="315094" cy="176806"/>
+          </a:xfrm>
+          <a:prstGeom prst="rightArrow">
+            <a:avLst/>
+          </a:prstGeom>
+          <a:gradFill flip="none" rotWithShape="1">
+            <a:gsLst>
+              <a:gs pos="0">
+                <a:schemeClr val="accent4">
+                  <a:lumMod val="67000"/>
+                </a:schemeClr>
+              </a:gs>
+              <a:gs pos="48000">
+                <a:schemeClr val="accent4">
+                  <a:lumMod val="97000"/>
+                  <a:lumOff val="3000"/>
+                </a:schemeClr>
+              </a:gs>
+              <a:gs pos="100000">
+                <a:schemeClr val="accent4">
+                  <a:lumMod val="60000"/>
+                  <a:lumOff val="40000"/>
+                </a:schemeClr>
+              </a:gs>
+            </a:gsLst>
+            <a:lin ang="16200000" scaled="1"/>
+            <a:tileRect/>
+          </a:gradFill>
+          <a:ln>
+            <a:noFill/>
+          </a:ln>
+        </p:spPr>
+        <p:style>
+          <a:lnRef idx="0">
+            <a:scrgbClr r="0" g="0" b="0"/>
+          </a:lnRef>
+          <a:fillRef idx="0">
+            <a:scrgbClr r="0" g="0" b="0"/>
+          </a:fillRef>
+          <a:effectRef idx="0">
+            <a:scrgbClr r="0" g="0" b="0"/>
+          </a:effectRef>
+          <a:fontRef idx="minor">
+            <a:schemeClr val="lt1"/>
+          </a:fontRef>
+        </p:style>
+        <p:txBody>
+          <a:bodyPr rtlCol="0" anchor="ctr"/>
+          <a:lstStyle/>
+          <a:p>
+            <a:pPr algn="ctr"/>
+            <a:endParaRPr lang="pt-BR">
+              <a:solidFill>
+                <a:schemeClr val="bg2"/>
+              </a:solidFill>
+            </a:endParaRPr>
+          </a:p>
+        </p:txBody>
+      </p:sp>
+      <p:sp>
+        <p:nvSpPr>
+          <p:cNvPr id="36" name="Seta: para a Direita 35">
+            <a:extLst>
+              <a:ext uri="{FF2B5EF4-FFF2-40B4-BE49-F238E27FC236}">
+                <a16:creationId xmlns:a16="http://schemas.microsoft.com/office/drawing/2014/main" id="{E5D2B1B3-84D2-4120-BA28-4C09A12D5653}"/>
+              </a:ext>
+            </a:extLst>
+          </p:cNvPr>
+          <p:cNvSpPr/>
+          <p:nvPr/>
+        </p:nvSpPr>
+        <p:spPr>
+          <a:xfrm rot="10800000">
+            <a:off x="9139569" y="4058766"/>
+            <a:ext cx="315094" cy="176806"/>
+          </a:xfrm>
+          <a:prstGeom prst="rightArrow">
+            <a:avLst/>
+          </a:prstGeom>
+          <a:gradFill flip="none" rotWithShape="1">
+            <a:gsLst>
+              <a:gs pos="0">
+                <a:schemeClr val="accent4">
+                  <a:lumMod val="67000"/>
+                </a:schemeClr>
+              </a:gs>
+              <a:gs pos="48000">
+                <a:schemeClr val="accent4">
+                  <a:lumMod val="97000"/>
+                  <a:lumOff val="3000"/>
+                </a:schemeClr>
+              </a:gs>
+              <a:gs pos="100000">
+                <a:schemeClr val="accent4">
+                  <a:lumMod val="60000"/>
+                  <a:lumOff val="40000"/>
+                </a:schemeClr>
+              </a:gs>
+            </a:gsLst>
+            <a:lin ang="16200000" scaled="1"/>
+            <a:tileRect/>
+          </a:gradFill>
+          <a:ln>
+            <a:noFill/>
+          </a:ln>
+        </p:spPr>
+        <p:style>
+          <a:lnRef idx="0">
+            <a:scrgbClr r="0" g="0" b="0"/>
+          </a:lnRef>
+          <a:fillRef idx="0">
+            <a:scrgbClr r="0" g="0" b="0"/>
+          </a:fillRef>
+          <a:effectRef idx="0">
+            <a:scrgbClr r="0" g="0" b="0"/>
+          </a:effectRef>
+          <a:fontRef idx="minor">
+            <a:schemeClr val="lt1"/>
+          </a:fontRef>
+        </p:style>
+        <p:txBody>
+          <a:bodyPr rtlCol="0" anchor="ctr"/>
+          <a:lstStyle/>
+          <a:p>
+            <a:pPr algn="ctr"/>
+            <a:endParaRPr lang="pt-BR">
+              <a:solidFill>
+                <a:schemeClr val="bg2"/>
+              </a:solidFill>
+            </a:endParaRPr>
+          </a:p>
+        </p:txBody>
+      </p:sp>
       <p:pic>
         <p:nvPicPr>
-          <p:cNvPr id="1042" name="Picture 18" descr="Freepik | Graphic Resources for everyone | Camera de desenho, Ideias de  tatuagem tumblr, Sinal de neon">
-            <a:extLst>
-              <a:ext uri="{FF2B5EF4-FFF2-40B4-BE49-F238E27FC236}">
-                <a16:creationId xmlns:a16="http://schemas.microsoft.com/office/drawing/2014/main" id="{CE0FEBDF-395B-4D6D-84D1-F606FEEC3112}"/>
+          <p:cNvPr id="19" name="Imagem 18">
+            <a:extLst>
+              <a:ext uri="{FF2B5EF4-FFF2-40B4-BE49-F238E27FC236}">
+                <a16:creationId xmlns:a16="http://schemas.microsoft.com/office/drawing/2014/main" id="{2B027329-7531-43DE-8462-258E88176481}"/>
+              </a:ext>
+            </a:extLst>
+          </p:cNvPr>
+          <p:cNvPicPr>
+            <a:picLocks noChangeAspect="1"/>
+          </p:cNvPicPr>
+          <p:nvPr/>
+        </p:nvPicPr>
+        <p:blipFill>
+          <a:blip r:embed="rId12"/>
+          <a:stretch>
+            <a:fillRect/>
+          </a:stretch>
+        </p:blipFill>
+        <p:spPr>
+          <a:xfrm>
+            <a:off x="9183410" y="3466357"/>
+            <a:ext cx="320868" cy="338554"/>
+          </a:xfrm>
+          <a:prstGeom prst="roundRect">
+            <a:avLst>
+              <a:gd name="adj" fmla="val 16667"/>
+            </a:avLst>
+          </a:prstGeom>
+          <a:ln>
+            <a:noFill/>
+          </a:ln>
+          <a:effectLst>
+            <a:outerShdw blurRad="76200" dist="38100" dir="7800000" algn="tl" rotWithShape="0">
+              <a:srgbClr val="000000">
+                <a:alpha val="40000"/>
+              </a:srgbClr>
+            </a:outerShdw>
+          </a:effectLst>
+          <a:scene3d>
+            <a:camera prst="orthographicFront"/>
+            <a:lightRig rig="contrasting" dir="t">
+              <a:rot lat="0" lon="0" rev="4200000"/>
+            </a:lightRig>
+          </a:scene3d>
+          <a:sp3d prstMaterial="plastic">
+            <a:bevelT w="381000" h="114300" prst="relaxedInset"/>
+            <a:contourClr>
+              <a:srgbClr val="969696"/>
+            </a:contourClr>
+          </a:sp3d>
+        </p:spPr>
+      </p:pic>
+      <p:sp>
+        <p:nvSpPr>
+          <p:cNvPr id="52" name="Seta: para a Direita 51">
+            <a:extLst>
+              <a:ext uri="{FF2B5EF4-FFF2-40B4-BE49-F238E27FC236}">
+                <a16:creationId xmlns:a16="http://schemas.microsoft.com/office/drawing/2014/main" id="{6331E262-D795-41C6-8CC4-490F9719751A}"/>
+              </a:ext>
+            </a:extLst>
+          </p:cNvPr>
+          <p:cNvSpPr/>
+          <p:nvPr/>
+        </p:nvSpPr>
+        <p:spPr>
+          <a:xfrm rot="10193487">
+            <a:off x="6176437" y="4522274"/>
+            <a:ext cx="1492394" cy="462676"/>
+          </a:xfrm>
+          <a:prstGeom prst="rightArrow">
+            <a:avLst/>
+          </a:prstGeom>
+          <a:gradFill flip="none" rotWithShape="1">
+            <a:gsLst>
+              <a:gs pos="0">
+                <a:schemeClr val="dk1">
+                  <a:lumMod val="67000"/>
+                </a:schemeClr>
+              </a:gs>
+              <a:gs pos="48000">
+                <a:schemeClr val="dk1">
+                  <a:lumMod val="97000"/>
+                  <a:lumOff val="3000"/>
+                </a:schemeClr>
+              </a:gs>
+              <a:gs pos="100000">
+                <a:schemeClr val="dk1">
+                  <a:lumMod val="60000"/>
+                  <a:lumOff val="40000"/>
+                </a:schemeClr>
+              </a:gs>
+            </a:gsLst>
+            <a:lin ang="0" scaled="1"/>
+            <a:tileRect/>
+          </a:gradFill>
+          <a:ln>
+            <a:noFill/>
+          </a:ln>
+        </p:spPr>
+        <p:style>
+          <a:lnRef idx="0">
+            <a:scrgbClr r="0" g="0" b="0"/>
+          </a:lnRef>
+          <a:fillRef idx="0">
+            <a:scrgbClr r="0" g="0" b="0"/>
+          </a:fillRef>
+          <a:effectRef idx="0">
+            <a:scrgbClr r="0" g="0" b="0"/>
+          </a:effectRef>
+          <a:fontRef idx="minor">
+            <a:schemeClr val="lt1"/>
+          </a:fontRef>
+        </p:style>
+        <p:txBody>
+          <a:bodyPr rtlCol="0" anchor="ctr"/>
+          <a:lstStyle/>
+          <a:p>
+            <a:pPr algn="ctr"/>
+            <a:endParaRPr lang="pt-BR">
+              <a:solidFill>
+                <a:schemeClr val="bg2"/>
+              </a:solidFill>
+            </a:endParaRPr>
+          </a:p>
+        </p:txBody>
+      </p:sp>
+      <p:sp>
+        <p:nvSpPr>
+          <p:cNvPr id="53" name="Elipse 52">
+            <a:extLst>
+              <a:ext uri="{FF2B5EF4-FFF2-40B4-BE49-F238E27FC236}">
+                <a16:creationId xmlns:a16="http://schemas.microsoft.com/office/drawing/2014/main" id="{B6DC30C2-C0B3-4D31-B641-7E1F1DA50EE4}"/>
+              </a:ext>
+            </a:extLst>
+          </p:cNvPr>
+          <p:cNvSpPr/>
+          <p:nvPr/>
+        </p:nvSpPr>
+        <p:spPr>
+          <a:xfrm>
+            <a:off x="1820328" y="3566336"/>
+            <a:ext cx="4072166" cy="2738829"/>
+          </a:xfrm>
+          <a:prstGeom prst="ellipse">
+            <a:avLst/>
+          </a:prstGeom>
+          <a:gradFill flip="none" rotWithShape="1">
+            <a:gsLst>
+              <a:gs pos="0">
+                <a:schemeClr val="dk1">
+                  <a:lumMod val="67000"/>
+                </a:schemeClr>
+              </a:gs>
+              <a:gs pos="48000">
+                <a:schemeClr val="dk1">
+                  <a:lumMod val="97000"/>
+                  <a:lumOff val="3000"/>
+                </a:schemeClr>
+              </a:gs>
+              <a:gs pos="100000">
+                <a:schemeClr val="dk1">
+                  <a:lumMod val="60000"/>
+                  <a:lumOff val="40000"/>
+                </a:schemeClr>
+              </a:gs>
+            </a:gsLst>
+            <a:path path="circle">
+              <a:fillToRect l="100000" t="100000"/>
+            </a:path>
+            <a:tileRect r="-100000" b="-100000"/>
+          </a:gradFill>
+          <a:ln>
+            <a:noFill/>
+          </a:ln>
+        </p:spPr>
+        <p:style>
+          <a:lnRef idx="0">
+            <a:scrgbClr r="0" g="0" b="0"/>
+          </a:lnRef>
+          <a:fillRef idx="0">
+            <a:scrgbClr r="0" g="0" b="0"/>
+          </a:fillRef>
+          <a:effectRef idx="0">
+            <a:scrgbClr r="0" g="0" b="0"/>
+          </a:effectRef>
+          <a:fontRef idx="minor">
+            <a:schemeClr val="lt1"/>
+          </a:fontRef>
+        </p:style>
+        <p:txBody>
+          <a:bodyPr rtlCol="0" anchor="ctr"/>
+          <a:lstStyle/>
+          <a:p>
+            <a:pPr algn="ctr"/>
+            <a:endParaRPr lang="pt-BR">
+              <a:solidFill>
+                <a:schemeClr val="bg2"/>
+              </a:solidFill>
+            </a:endParaRPr>
+          </a:p>
+        </p:txBody>
+      </p:sp>
+      <p:pic>
+        <p:nvPicPr>
+          <p:cNvPr id="23" name="Imagem 22">
+            <a:extLst>
+              <a:ext uri="{FF2B5EF4-FFF2-40B4-BE49-F238E27FC236}">
+                <a16:creationId xmlns:a16="http://schemas.microsoft.com/office/drawing/2014/main" id="{FADFBDD2-2B30-46FA-861F-207D78E43D5D}"/>
+              </a:ext>
+            </a:extLst>
+          </p:cNvPr>
+          <p:cNvPicPr>
+            <a:picLocks noChangeAspect="1"/>
+          </p:cNvPicPr>
+          <p:nvPr/>
+        </p:nvPicPr>
+        <p:blipFill>
+          <a:blip r:embed="rId13"/>
+          <a:stretch>
+            <a:fillRect/>
+          </a:stretch>
+        </p:blipFill>
+        <p:spPr>
+          <a:xfrm>
+            <a:off x="5059296" y="4918066"/>
+            <a:ext cx="492323" cy="748601"/>
+          </a:xfrm>
+          <a:prstGeom prst="roundRect">
+            <a:avLst>
+              <a:gd name="adj" fmla="val 16667"/>
+            </a:avLst>
+          </a:prstGeom>
+          <a:ln>
+            <a:noFill/>
+          </a:ln>
+          <a:effectLst>
+            <a:outerShdw blurRad="76200" dist="38100" dir="7800000" algn="tl" rotWithShape="0">
+              <a:srgbClr val="000000">
+                <a:alpha val="40000"/>
+              </a:srgbClr>
+            </a:outerShdw>
+          </a:effectLst>
+          <a:scene3d>
+            <a:camera prst="orthographicFront"/>
+            <a:lightRig rig="contrasting" dir="t">
+              <a:rot lat="0" lon="0" rev="4200000"/>
+            </a:lightRig>
+          </a:scene3d>
+          <a:sp3d prstMaterial="plastic">
+            <a:bevelT w="381000" h="114300" prst="relaxedInset"/>
+            <a:contourClr>
+              <a:srgbClr val="969696"/>
+            </a:contourClr>
+          </a:sp3d>
+        </p:spPr>
+      </p:pic>
+      <p:pic>
+        <p:nvPicPr>
+          <p:cNvPr id="1040" name="Picture 16" descr="Cinco bons motivos para amar o seu Android | Listas | TechTudo">
+            <a:extLst>
+              <a:ext uri="{FF2B5EF4-FFF2-40B4-BE49-F238E27FC236}">
+                <a16:creationId xmlns:a16="http://schemas.microsoft.com/office/drawing/2014/main" id="{EB00BEBE-2CE8-4AE6-9E26-E1818DE7551E}"/>
               </a:ext>
             </a:extLst>
           </p:cNvPr>
@@ -6050,7 +8397,7 @@
           <p:nvPr/>
         </p:nvPicPr>
         <p:blipFill>
-          <a:blip r:embed="rId10">
+          <a:blip r:embed="rId14">
             <a:extLst>
               <a:ext uri="{28A0092B-C50C-407E-A947-70E740481C1C}">
                 <a14:useLocalDpi xmlns:a14="http://schemas.microsoft.com/office/drawing/2010/main" val="0"/>
@@ -6064,26 +8411,36 @@
         </p:blipFill>
         <p:spPr bwMode="auto">
           <a:xfrm>
-            <a:off x="11400338" y="2304504"/>
-            <a:ext cx="375346" cy="375346"/>
-          </a:xfrm>
-          <a:prstGeom prst="rect">
-            <a:avLst/>
+            <a:off x="2606632" y="3902826"/>
+            <a:ext cx="556427" cy="556427"/>
+          </a:xfrm>
+          <a:prstGeom prst="roundRect">
+            <a:avLst>
+              <a:gd name="adj" fmla="val 16667"/>
+            </a:avLst>
           </a:prstGeom>
-          <a:ln w="38100" cap="sq">
-            <a:solidFill>
-              <a:srgbClr val="000000"/>
-            </a:solidFill>
-            <a:prstDash val="solid"/>
-            <a:miter lim="800000"/>
+          <a:ln>
+            <a:noFill/>
           </a:ln>
           <a:effectLst>
-            <a:outerShdw blurRad="50800" dist="38100" dir="2700000" algn="tl" rotWithShape="0">
+            <a:outerShdw blurRad="76200" dist="38100" dir="7800000" algn="tl" rotWithShape="0">
               <a:srgbClr val="000000">
-                <a:alpha val="43000"/>
+                <a:alpha val="40000"/>
               </a:srgbClr>
             </a:outerShdw>
           </a:effectLst>
+          <a:scene3d>
+            <a:camera prst="orthographicFront"/>
+            <a:lightRig rig="contrasting" dir="t">
+              <a:rot lat="0" lon="0" rev="4200000"/>
+            </a:lightRig>
+          </a:scene3d>
+          <a:sp3d prstMaterial="plastic">
+            <a:bevelT w="381000" h="114300" prst="relaxedInset"/>
+            <a:contourClr>
+              <a:srgbClr val="969696"/>
+            </a:contourClr>
+          </a:sp3d>
           <a:extLst>
             <a:ext uri="{909E8E84-426E-40DD-AFC4-6F175D3DCCD1}">
               <a14:hiddenFill xmlns:a14="http://schemas.microsoft.com/office/drawing/2010/main">
@@ -6097,10 +8454,10 @@
       </p:pic>
       <p:pic>
         <p:nvPicPr>
-          <p:cNvPr id="77" name="Picture 18" descr="Freepik | Graphic Resources for everyone | Camera de desenho, Ideias de  tatuagem tumblr, Sinal de neon">
-            <a:extLst>
-              <a:ext uri="{FF2B5EF4-FFF2-40B4-BE49-F238E27FC236}">
-                <a16:creationId xmlns:a16="http://schemas.microsoft.com/office/drawing/2014/main" id="{E7623DAE-980A-4728-A3C8-EADD5023C9FD}"/>
+          <p:cNvPr id="1042" name="Picture 18" descr="Google descobre falhas de segurança no iOS, e Apple ainda não resolveu  totalmente o problema">
+            <a:extLst>
+              <a:ext uri="{FF2B5EF4-FFF2-40B4-BE49-F238E27FC236}">
+                <a16:creationId xmlns:a16="http://schemas.microsoft.com/office/drawing/2014/main" id="{9E6FA433-4052-4646-8AEE-1F4FDD877172}"/>
               </a:ext>
             </a:extLst>
           </p:cNvPr>
@@ -6110,7 +8467,7 @@
           <p:nvPr/>
         </p:nvPicPr>
         <p:blipFill>
-          <a:blip r:embed="rId10">
+          <a:blip r:embed="rId15">
             <a:extLst>
               <a:ext uri="{28A0092B-C50C-407E-A947-70E740481C1C}">
                 <a14:useLocalDpi xmlns:a14="http://schemas.microsoft.com/office/drawing/2010/main" val="0"/>
@@ -6124,26 +8481,36 @@
         </p:blipFill>
         <p:spPr bwMode="auto">
           <a:xfrm>
-            <a:off x="9359069" y="6177733"/>
-            <a:ext cx="375346" cy="375346"/>
-          </a:xfrm>
-          <a:prstGeom prst="rect">
-            <a:avLst/>
+            <a:off x="2081016" y="4763695"/>
+            <a:ext cx="614481" cy="344109"/>
+          </a:xfrm>
+          <a:prstGeom prst="roundRect">
+            <a:avLst>
+              <a:gd name="adj" fmla="val 16667"/>
+            </a:avLst>
           </a:prstGeom>
-          <a:ln w="38100" cap="sq">
-            <a:solidFill>
-              <a:srgbClr val="000000"/>
-            </a:solidFill>
-            <a:prstDash val="solid"/>
-            <a:miter lim="800000"/>
+          <a:ln>
+            <a:noFill/>
           </a:ln>
           <a:effectLst>
-            <a:outerShdw blurRad="50800" dist="38100" dir="2700000" algn="tl" rotWithShape="0">
+            <a:outerShdw blurRad="76200" dist="38100" dir="7800000" algn="tl" rotWithShape="0">
               <a:srgbClr val="000000">
-                <a:alpha val="43000"/>
+                <a:alpha val="40000"/>
               </a:srgbClr>
             </a:outerShdw>
           </a:effectLst>
+          <a:scene3d>
+            <a:camera prst="orthographicFront"/>
+            <a:lightRig rig="contrasting" dir="t">
+              <a:rot lat="0" lon="0" rev="4200000"/>
+            </a:lightRig>
+          </a:scene3d>
+          <a:sp3d prstMaterial="plastic">
+            <a:bevelT w="381000" h="114300" prst="relaxedInset"/>
+            <a:contourClr>
+              <a:srgbClr val="969696"/>
+            </a:contourClr>
+          </a:sp3d>
           <a:extLst>
             <a:ext uri="{909E8E84-426E-40DD-AFC4-6F175D3DCCD1}">
               <a14:hiddenFill xmlns:a14="http://schemas.microsoft.com/office/drawing/2010/main">
@@ -6155,54 +8522,152 @@
           </a:extLst>
         </p:spPr>
       </p:pic>
-    </p:spTree>
-    <p:extLst>
-      <p:ext uri="{BB962C8B-B14F-4D97-AF65-F5344CB8AC3E}">
-        <p14:creationId xmlns:p14="http://schemas.microsoft.com/office/powerpoint/2010/main" val="205588745"/>
-      </p:ext>
-    </p:extLst>
-  </p:cSld>
-  <p:clrMapOvr>
-    <a:masterClrMapping/>
-  </p:clrMapOvr>
-</p:sld>
-</file>
-
-<file path=ppt/slides/slide2.xml><?xml version="1.0" encoding="utf-8"?>
-<p:sld xmlns:a="http://schemas.openxmlformats.org/drawingml/2006/main" xmlns:r="http://schemas.openxmlformats.org/officeDocument/2006/relationships" xmlns:p="http://schemas.openxmlformats.org/presentationml/2006/main">
-  <p:cSld>
-    <p:bg>
-      <p:bgPr>
-        <a:solidFill>
-          <a:schemeClr val="tx1">
-            <a:lumMod val="95000"/>
-            <a:lumOff val="5000"/>
-            <a:alpha val="85000"/>
-          </a:schemeClr>
-        </a:solidFill>
-        <a:effectLst/>
-      </p:bgPr>
-    </p:bg>
-    <p:spTree>
-      <p:nvGrpSpPr>
-        <p:cNvPr id="1" name=""/>
-        <p:cNvGrpSpPr/>
-        <p:nvPr/>
-      </p:nvGrpSpPr>
-      <p:grpSpPr>
-        <a:xfrm>
-          <a:off x="0" y="0"/>
-          <a:ext cx="0" cy="0"/>
-          <a:chOff x="0" y="0"/>
-          <a:chExt cx="0" cy="0"/>
-        </a:xfrm>
-      </p:grpSpPr>
-      <p:sp>
-        <p:nvSpPr>
-          <p:cNvPr id="4" name="CaixaDeTexto 3">
-            <a:extLst>
-              <a:ext uri="{FF2B5EF4-FFF2-40B4-BE49-F238E27FC236}">
-                <a16:creationId xmlns:a16="http://schemas.microsoft.com/office/drawing/2014/main" id="{B137C8D5-5B18-41D8-839D-CCE1CA2537A0}"/>
+      <p:pic>
+        <p:nvPicPr>
+          <p:cNvPr id="1044" name="Picture 20" descr="pin-localização-png-3 - Feira dos Importados de Brasília - Sia - A Loja  Virtual">
+            <a:extLst>
+              <a:ext uri="{FF2B5EF4-FFF2-40B4-BE49-F238E27FC236}">
+                <a16:creationId xmlns:a16="http://schemas.microsoft.com/office/drawing/2014/main" id="{6F8DBA96-042C-4023-BDF3-7AED70CB866B}"/>
+              </a:ext>
+            </a:extLst>
+          </p:cNvPr>
+          <p:cNvPicPr>
+            <a:picLocks noChangeAspect="1" noChangeArrowheads="1"/>
+          </p:cNvPicPr>
+          <p:nvPr/>
+        </p:nvPicPr>
+        <p:blipFill>
+          <a:blip r:embed="rId16">
+            <a:extLst>
+              <a:ext uri="{28A0092B-C50C-407E-A947-70E740481C1C}">
+                <a14:useLocalDpi xmlns:a14="http://schemas.microsoft.com/office/drawing/2010/main" val="0"/>
+              </a:ext>
+            </a:extLst>
+          </a:blip>
+          <a:srcRect/>
+          <a:stretch>
+            <a:fillRect/>
+          </a:stretch>
+        </p:blipFill>
+        <p:spPr bwMode="auto">
+          <a:xfrm>
+            <a:off x="4108225" y="5530094"/>
+            <a:ext cx="514623" cy="514623"/>
+          </a:xfrm>
+          <a:prstGeom prst="roundRect">
+            <a:avLst>
+              <a:gd name="adj" fmla="val 16667"/>
+            </a:avLst>
+          </a:prstGeom>
+          <a:ln>
+            <a:noFill/>
+          </a:ln>
+          <a:effectLst>
+            <a:outerShdw blurRad="76200" dist="38100" dir="7800000" algn="tl" rotWithShape="0">
+              <a:srgbClr val="000000">
+                <a:alpha val="40000"/>
+              </a:srgbClr>
+            </a:outerShdw>
+          </a:effectLst>
+          <a:scene3d>
+            <a:camera prst="orthographicFront"/>
+            <a:lightRig rig="contrasting" dir="t">
+              <a:rot lat="0" lon="0" rev="4200000"/>
+            </a:lightRig>
+          </a:scene3d>
+          <a:sp3d prstMaterial="plastic">
+            <a:bevelT w="381000" h="114300" prst="relaxedInset"/>
+            <a:contourClr>
+              <a:srgbClr val="969696"/>
+            </a:contourClr>
+          </a:sp3d>
+          <a:extLst>
+            <a:ext uri="{909E8E84-426E-40DD-AFC4-6F175D3DCCD1}">
+              <a14:hiddenFill xmlns:a14="http://schemas.microsoft.com/office/drawing/2010/main">
+                <a:solidFill>
+                  <a:srgbClr val="FFFFFF"/>
+                </a:solidFill>
+              </a14:hiddenFill>
+            </a:ext>
+          </a:extLst>
+        </p:spPr>
+      </p:pic>
+      <p:pic>
+        <p:nvPicPr>
+          <p:cNvPr id="45" name="Picture 18" descr="Freepik | Graphic Resources for everyone | Camera de desenho, Ideias de  tatuagem tumblr, Sinal de neon">
+            <a:extLst>
+              <a:ext uri="{FF2B5EF4-FFF2-40B4-BE49-F238E27FC236}">
+                <a16:creationId xmlns:a16="http://schemas.microsoft.com/office/drawing/2014/main" id="{69DD60F2-E08B-4A6A-B8CA-7B09CA43F91E}"/>
+              </a:ext>
+            </a:extLst>
+          </p:cNvPr>
+          <p:cNvPicPr>
+            <a:picLocks noChangeAspect="1" noChangeArrowheads="1"/>
+          </p:cNvPicPr>
+          <p:nvPr/>
+        </p:nvPicPr>
+        <p:blipFill>
+          <a:blip r:embed="rId7">
+            <a:extLst>
+              <a:ext uri="{28A0092B-C50C-407E-A947-70E740481C1C}">
+                <a14:useLocalDpi xmlns:a14="http://schemas.microsoft.com/office/drawing/2010/main" val="0"/>
+              </a:ext>
+            </a:extLst>
+          </a:blip>
+          <a:srcRect/>
+          <a:stretch>
+            <a:fillRect/>
+          </a:stretch>
+        </p:blipFill>
+        <p:spPr bwMode="auto">
+          <a:xfrm>
+            <a:off x="4897899" y="4271580"/>
+            <a:ext cx="375346" cy="375346"/>
+          </a:xfrm>
+          <a:prstGeom prst="roundRect">
+            <a:avLst>
+              <a:gd name="adj" fmla="val 16667"/>
+            </a:avLst>
+          </a:prstGeom>
+          <a:ln>
+            <a:noFill/>
+          </a:ln>
+          <a:effectLst>
+            <a:outerShdw blurRad="76200" dist="38100" dir="7800000" algn="tl" rotWithShape="0">
+              <a:srgbClr val="000000">
+                <a:alpha val="40000"/>
+              </a:srgbClr>
+            </a:outerShdw>
+          </a:effectLst>
+          <a:scene3d>
+            <a:camera prst="orthographicFront"/>
+            <a:lightRig rig="contrasting" dir="t">
+              <a:rot lat="0" lon="0" rev="4200000"/>
+            </a:lightRig>
+          </a:scene3d>
+          <a:sp3d prstMaterial="plastic">
+            <a:bevelT w="381000" h="114300" prst="relaxedInset"/>
+            <a:contourClr>
+              <a:srgbClr val="969696"/>
+            </a:contourClr>
+          </a:sp3d>
+          <a:extLst>
+            <a:ext uri="{909E8E84-426E-40DD-AFC4-6F175D3DCCD1}">
+              <a14:hiddenFill xmlns:a14="http://schemas.microsoft.com/office/drawing/2010/main">
+                <a:solidFill>
+                  <a:srgbClr val="FFFFFF"/>
+                </a:solidFill>
+              </a14:hiddenFill>
+            </a:ext>
+          </a:extLst>
+        </p:spPr>
+      </p:pic>
+      <p:sp>
+        <p:nvSpPr>
+          <p:cNvPr id="46" name="CaixaDeTexto 45">
+            <a:extLst>
+              <a:ext uri="{FF2B5EF4-FFF2-40B4-BE49-F238E27FC236}">
+                <a16:creationId xmlns:a16="http://schemas.microsoft.com/office/drawing/2014/main" id="{8FD01760-1E91-426B-A438-CAFB737C4564}"/>
               </a:ext>
             </a:extLst>
           </p:cNvPr>
@@ -6211,31 +8676,14 @@
         </p:nvSpPr>
         <p:spPr>
           <a:xfrm>
-            <a:off x="0" y="6809"/>
-            <a:ext cx="1239941" cy="461665"/>
+            <a:off x="4759281" y="3933026"/>
+            <a:ext cx="770384" cy="338554"/>
           </a:xfrm>
           <a:prstGeom prst="rect">
             <a:avLst/>
           </a:prstGeom>
           <a:noFill/>
-          <a:ln>
-            <a:noFill/>
-          </a:ln>
-        </p:spPr>
-        <p:style>
-          <a:lnRef idx="0">
-            <a:scrgbClr r="0" g="0" b="0"/>
-          </a:lnRef>
-          <a:fillRef idx="0">
-            <a:scrgbClr r="0" g="0" b="0"/>
-          </a:fillRef>
-          <a:effectRef idx="0">
-            <a:scrgbClr r="0" g="0" b="0"/>
-          </a:effectRef>
-          <a:fontRef idx="minor">
-            <a:schemeClr val="accent4"/>
-          </a:fontRef>
-        </p:style>
+        </p:spPr>
         <p:txBody>
           <a:bodyPr wrap="square" rtlCol="0">
             <a:spAutoFit/>
@@ -6243,8 +8691,479 @@
           <a:lstStyle/>
           <a:p>
             <a:r>
-              <a:rPr lang="pt-BR" sz="2400" b="1" dirty="0"/>
-              <a:t>HLD</a:t>
+              <a:rPr lang="pt-BR" sz="1600" b="1" dirty="0">
+                <a:solidFill>
+                  <a:schemeClr val="bg2"/>
+                </a:solidFill>
+              </a:rPr>
+              <a:t>4/5 G</a:t>
+            </a:r>
+          </a:p>
+        </p:txBody>
+      </p:sp>
+      <p:pic>
+        <p:nvPicPr>
+          <p:cNvPr id="1046" name="Picture 22" descr="Free icon - Free vector icons - Free SVG, PSD, PNG, EPS, Ai &amp; Icon Font">
+            <a:extLst>
+              <a:ext uri="{FF2B5EF4-FFF2-40B4-BE49-F238E27FC236}">
+                <a16:creationId xmlns:a16="http://schemas.microsoft.com/office/drawing/2014/main" id="{0E6AD798-2023-4F27-A891-95B029C62252}"/>
+              </a:ext>
+            </a:extLst>
+          </p:cNvPr>
+          <p:cNvPicPr>
+            <a:picLocks noChangeAspect="1" noChangeArrowheads="1"/>
+          </p:cNvPicPr>
+          <p:nvPr/>
+        </p:nvPicPr>
+        <p:blipFill>
+          <a:blip r:embed="rId17">
+            <a:extLst>
+              <a:ext uri="{28A0092B-C50C-407E-A947-70E740481C1C}">
+                <a14:useLocalDpi xmlns:a14="http://schemas.microsoft.com/office/drawing/2010/main" val="0"/>
+              </a:ext>
+            </a:extLst>
+          </a:blip>
+          <a:srcRect/>
+          <a:stretch>
+            <a:fillRect/>
+          </a:stretch>
+        </p:blipFill>
+        <p:spPr bwMode="auto">
+          <a:xfrm>
+            <a:off x="2905747" y="5439550"/>
+            <a:ext cx="514623" cy="514623"/>
+          </a:xfrm>
+          <a:prstGeom prst="roundRect">
+            <a:avLst>
+              <a:gd name="adj" fmla="val 16667"/>
+            </a:avLst>
+          </a:prstGeom>
+          <a:ln>
+            <a:noFill/>
+          </a:ln>
+          <a:effectLst>
+            <a:outerShdw blurRad="76200" dist="38100" dir="7800000" algn="tl" rotWithShape="0">
+              <a:srgbClr val="000000">
+                <a:alpha val="40000"/>
+              </a:srgbClr>
+            </a:outerShdw>
+          </a:effectLst>
+          <a:scene3d>
+            <a:camera prst="orthographicFront"/>
+            <a:lightRig rig="contrasting" dir="t">
+              <a:rot lat="0" lon="0" rev="4200000"/>
+            </a:lightRig>
+          </a:scene3d>
+          <a:sp3d prstMaterial="plastic">
+            <a:bevelT w="381000" h="114300" prst="relaxedInset"/>
+            <a:contourClr>
+              <a:srgbClr val="969696"/>
+            </a:contourClr>
+          </a:sp3d>
+          <a:extLst>
+            <a:ext uri="{909E8E84-426E-40DD-AFC4-6F175D3DCCD1}">
+              <a14:hiddenFill xmlns:a14="http://schemas.microsoft.com/office/drawing/2010/main">
+                <a:solidFill>
+                  <a:srgbClr val="FFFFFF"/>
+                </a:solidFill>
+              </a14:hiddenFill>
+            </a:ext>
+          </a:extLst>
+        </p:spPr>
+      </p:pic>
+      <p:pic>
+        <p:nvPicPr>
+          <p:cNvPr id="30" name="Imagem 29">
+            <a:extLst>
+              <a:ext uri="{FF2B5EF4-FFF2-40B4-BE49-F238E27FC236}">
+                <a16:creationId xmlns:a16="http://schemas.microsoft.com/office/drawing/2014/main" id="{8D356123-F126-4E47-8245-6CCA72C0234F}"/>
+              </a:ext>
+            </a:extLst>
+          </p:cNvPr>
+          <p:cNvPicPr>
+            <a:picLocks noChangeAspect="1"/>
+          </p:cNvPicPr>
+          <p:nvPr/>
+        </p:nvPicPr>
+        <p:blipFill>
+          <a:blip r:embed="rId18"/>
+          <a:stretch>
+            <a:fillRect/>
+          </a:stretch>
+        </p:blipFill>
+        <p:spPr>
+          <a:xfrm>
+            <a:off x="3447827" y="3705985"/>
+            <a:ext cx="1037716" cy="592008"/>
+          </a:xfrm>
+          <a:prstGeom prst="roundRect">
+            <a:avLst>
+              <a:gd name="adj" fmla="val 16667"/>
+            </a:avLst>
+          </a:prstGeom>
+          <a:ln>
+            <a:noFill/>
+          </a:ln>
+          <a:effectLst>
+            <a:outerShdw blurRad="76200" dist="38100" dir="7800000" algn="tl" rotWithShape="0">
+              <a:srgbClr val="000000">
+                <a:alpha val="40000"/>
+              </a:srgbClr>
+            </a:outerShdw>
+          </a:effectLst>
+          <a:scene3d>
+            <a:camera prst="orthographicFront"/>
+            <a:lightRig rig="contrasting" dir="t">
+              <a:rot lat="0" lon="0" rev="4200000"/>
+            </a:lightRig>
+          </a:scene3d>
+          <a:sp3d prstMaterial="plastic">
+            <a:bevelT w="381000" h="114300" prst="relaxedInset"/>
+            <a:contourClr>
+              <a:srgbClr val="969696"/>
+            </a:contourClr>
+          </a:sp3d>
+        </p:spPr>
+      </p:pic>
+      <p:pic>
+        <p:nvPicPr>
+          <p:cNvPr id="54" name="Picture 18" descr="Freepik | Graphic Resources for everyone | Camera de desenho, Ideias de  tatuagem tumblr, Sinal de neon">
+            <a:extLst>
+              <a:ext uri="{FF2B5EF4-FFF2-40B4-BE49-F238E27FC236}">
+                <a16:creationId xmlns:a16="http://schemas.microsoft.com/office/drawing/2014/main" id="{EECC7160-BE75-445B-A066-5E32D86B83E6}"/>
+              </a:ext>
+            </a:extLst>
+          </p:cNvPr>
+          <p:cNvPicPr>
+            <a:picLocks noChangeAspect="1" noChangeArrowheads="1"/>
+          </p:cNvPicPr>
+          <p:nvPr/>
+        </p:nvPicPr>
+        <p:blipFill>
+          <a:blip r:embed="rId7">
+            <a:extLst>
+              <a:ext uri="{28A0092B-C50C-407E-A947-70E740481C1C}">
+                <a14:useLocalDpi xmlns:a14="http://schemas.microsoft.com/office/drawing/2010/main" val="0"/>
+              </a:ext>
+            </a:extLst>
+          </a:blip>
+          <a:srcRect/>
+          <a:stretch>
+            <a:fillRect/>
+          </a:stretch>
+        </p:blipFill>
+        <p:spPr bwMode="auto">
+          <a:xfrm>
+            <a:off x="6002135" y="3811214"/>
+            <a:ext cx="603844" cy="603844"/>
+          </a:xfrm>
+          <a:prstGeom prst="roundRect">
+            <a:avLst>
+              <a:gd name="adj" fmla="val 16667"/>
+            </a:avLst>
+          </a:prstGeom>
+          <a:ln>
+            <a:noFill/>
+          </a:ln>
+          <a:effectLst>
+            <a:outerShdw blurRad="76200" dist="38100" dir="7800000" algn="tl" rotWithShape="0">
+              <a:srgbClr val="000000">
+                <a:alpha val="40000"/>
+              </a:srgbClr>
+            </a:outerShdw>
+          </a:effectLst>
+          <a:scene3d>
+            <a:camera prst="orthographicFront"/>
+            <a:lightRig rig="contrasting" dir="t">
+              <a:rot lat="0" lon="0" rev="4200000"/>
+            </a:lightRig>
+          </a:scene3d>
+          <a:sp3d prstMaterial="plastic">
+            <a:bevelT w="381000" h="114300" prst="relaxedInset"/>
+            <a:contourClr>
+              <a:srgbClr val="969696"/>
+            </a:contourClr>
+          </a:sp3d>
+          <a:extLst>
+            <a:ext uri="{909E8E84-426E-40DD-AFC4-6F175D3DCCD1}">
+              <a14:hiddenFill xmlns:a14="http://schemas.microsoft.com/office/drawing/2010/main">
+                <a:solidFill>
+                  <a:srgbClr val="FFFFFF"/>
+                </a:solidFill>
+              </a14:hiddenFill>
+            </a:ext>
+          </a:extLst>
+        </p:spPr>
+      </p:pic>
+      <p:sp>
+        <p:nvSpPr>
+          <p:cNvPr id="55" name="CaixaDeTexto 54">
+            <a:extLst>
+              <a:ext uri="{FF2B5EF4-FFF2-40B4-BE49-F238E27FC236}">
+                <a16:creationId xmlns:a16="http://schemas.microsoft.com/office/drawing/2014/main" id="{0439FC17-28BC-47E1-A263-376718DA5387}"/>
+              </a:ext>
+            </a:extLst>
+          </p:cNvPr>
+          <p:cNvSpPr txBox="1"/>
+          <p:nvPr/>
+        </p:nvSpPr>
+        <p:spPr>
+          <a:xfrm>
+            <a:off x="8663270" y="5077390"/>
+            <a:ext cx="1790322" cy="461665"/>
+          </a:xfrm>
+          <a:prstGeom prst="rect">
+            <a:avLst/>
+          </a:prstGeom>
+          <a:gradFill flip="none" rotWithShape="1">
+            <a:gsLst>
+              <a:gs pos="0">
+                <a:schemeClr val="dk1">
+                  <a:lumMod val="67000"/>
+                </a:schemeClr>
+              </a:gs>
+              <a:gs pos="48000">
+                <a:schemeClr val="dk1">
+                  <a:lumMod val="97000"/>
+                  <a:lumOff val="3000"/>
+                </a:schemeClr>
+              </a:gs>
+              <a:gs pos="100000">
+                <a:schemeClr val="dk1">
+                  <a:lumMod val="60000"/>
+                  <a:lumOff val="40000"/>
+                </a:schemeClr>
+              </a:gs>
+            </a:gsLst>
+            <a:lin ang="16200000" scaled="1"/>
+            <a:tileRect/>
+          </a:gradFill>
+          <a:ln>
+            <a:noFill/>
+          </a:ln>
+        </p:spPr>
+        <p:style>
+          <a:lnRef idx="0">
+            <a:scrgbClr r="0" g="0" b="0"/>
+          </a:lnRef>
+          <a:fillRef idx="0">
+            <a:scrgbClr r="0" g="0" b="0"/>
+          </a:fillRef>
+          <a:effectRef idx="0">
+            <a:scrgbClr r="0" g="0" b="0"/>
+          </a:effectRef>
+          <a:fontRef idx="minor">
+            <a:schemeClr val="lt1"/>
+          </a:fontRef>
+        </p:style>
+        <p:txBody>
+          <a:bodyPr wrap="square" rtlCol="0">
+            <a:spAutoFit/>
+          </a:bodyPr>
+          <a:lstStyle/>
+          <a:p>
+            <a:r>
+              <a:rPr lang="pt-BR" sz="2400" b="1" dirty="0">
+                <a:solidFill>
+                  <a:schemeClr val="bg2"/>
+                </a:solidFill>
+              </a:rPr>
+              <a:t>Servidores</a:t>
+            </a:r>
+          </a:p>
+        </p:txBody>
+      </p:sp>
+      <p:sp>
+        <p:nvSpPr>
+          <p:cNvPr id="56" name="CaixaDeTexto 55">
+            <a:extLst>
+              <a:ext uri="{FF2B5EF4-FFF2-40B4-BE49-F238E27FC236}">
+                <a16:creationId xmlns:a16="http://schemas.microsoft.com/office/drawing/2014/main" id="{5723ABBD-22BB-4039-983C-569B51C6F80E}"/>
+              </a:ext>
+            </a:extLst>
+          </p:cNvPr>
+          <p:cNvSpPr txBox="1"/>
+          <p:nvPr/>
+        </p:nvSpPr>
+        <p:spPr>
+          <a:xfrm>
+            <a:off x="3297358" y="2658214"/>
+            <a:ext cx="1790322" cy="461665"/>
+          </a:xfrm>
+          <a:prstGeom prst="rect">
+            <a:avLst/>
+          </a:prstGeom>
+          <a:gradFill flip="none" rotWithShape="1">
+            <a:gsLst>
+              <a:gs pos="0">
+                <a:schemeClr val="dk1">
+                  <a:lumMod val="67000"/>
+                </a:schemeClr>
+              </a:gs>
+              <a:gs pos="48000">
+                <a:schemeClr val="dk1">
+                  <a:lumMod val="97000"/>
+                  <a:lumOff val="3000"/>
+                </a:schemeClr>
+              </a:gs>
+              <a:gs pos="100000">
+                <a:schemeClr val="dk1">
+                  <a:lumMod val="60000"/>
+                  <a:lumOff val="40000"/>
+                </a:schemeClr>
+              </a:gs>
+            </a:gsLst>
+            <a:lin ang="16200000" scaled="1"/>
+            <a:tileRect/>
+          </a:gradFill>
+          <a:ln>
+            <a:noFill/>
+          </a:ln>
+        </p:spPr>
+        <p:style>
+          <a:lnRef idx="0">
+            <a:scrgbClr r="0" g="0" b="0"/>
+          </a:lnRef>
+          <a:fillRef idx="0">
+            <a:scrgbClr r="0" g="0" b="0"/>
+          </a:fillRef>
+          <a:effectRef idx="0">
+            <a:scrgbClr r="0" g="0" b="0"/>
+          </a:effectRef>
+          <a:fontRef idx="minor">
+            <a:schemeClr val="lt1"/>
+          </a:fontRef>
+        </p:style>
+        <p:txBody>
+          <a:bodyPr wrap="square" rtlCol="0">
+            <a:spAutoFit/>
+          </a:bodyPr>
+          <a:lstStyle/>
+          <a:p>
+            <a:r>
+              <a:rPr lang="pt-BR" sz="2400" b="1" dirty="0">
+                <a:solidFill>
+                  <a:schemeClr val="bg2"/>
+                </a:solidFill>
+              </a:rPr>
+              <a:t>Hardware</a:t>
+            </a:r>
+          </a:p>
+        </p:txBody>
+      </p:sp>
+      <p:sp>
+        <p:nvSpPr>
+          <p:cNvPr id="57" name="CaixaDeTexto 56">
+            <a:extLst>
+              <a:ext uri="{FF2B5EF4-FFF2-40B4-BE49-F238E27FC236}">
+                <a16:creationId xmlns:a16="http://schemas.microsoft.com/office/drawing/2014/main" id="{7D0EC34A-3BA1-40BC-8F1C-2D41A924E522}"/>
+              </a:ext>
+            </a:extLst>
+          </p:cNvPr>
+          <p:cNvSpPr txBox="1"/>
+          <p:nvPr/>
+        </p:nvSpPr>
+        <p:spPr>
+          <a:xfrm>
+            <a:off x="3243424" y="6329335"/>
+            <a:ext cx="1270431" cy="461665"/>
+          </a:xfrm>
+          <a:prstGeom prst="rect">
+            <a:avLst/>
+          </a:prstGeom>
+          <a:gradFill flip="none" rotWithShape="1">
+            <a:gsLst>
+              <a:gs pos="0">
+                <a:schemeClr val="dk1">
+                  <a:lumMod val="67000"/>
+                </a:schemeClr>
+              </a:gs>
+              <a:gs pos="48000">
+                <a:schemeClr val="dk1">
+                  <a:lumMod val="97000"/>
+                  <a:lumOff val="3000"/>
+                </a:schemeClr>
+              </a:gs>
+              <a:gs pos="100000">
+                <a:schemeClr val="dk1">
+                  <a:lumMod val="60000"/>
+                  <a:lumOff val="40000"/>
+                </a:schemeClr>
+              </a:gs>
+            </a:gsLst>
+            <a:lin ang="16200000" scaled="1"/>
+            <a:tileRect/>
+          </a:gradFill>
+          <a:ln>
+            <a:noFill/>
+          </a:ln>
+        </p:spPr>
+        <p:style>
+          <a:lnRef idx="0">
+            <a:scrgbClr r="0" g="0" b="0"/>
+          </a:lnRef>
+          <a:fillRef idx="0">
+            <a:scrgbClr r="0" g="0" b="0"/>
+          </a:fillRef>
+          <a:effectRef idx="0">
+            <a:scrgbClr r="0" g="0" b="0"/>
+          </a:effectRef>
+          <a:fontRef idx="minor">
+            <a:schemeClr val="lt1"/>
+          </a:fontRef>
+        </p:style>
+        <p:txBody>
+          <a:bodyPr wrap="square" rtlCol="0">
+            <a:spAutoFit/>
+          </a:bodyPr>
+          <a:lstStyle/>
+          <a:p>
+            <a:r>
+              <a:rPr lang="pt-BR" sz="2400" b="1" dirty="0">
+                <a:solidFill>
+                  <a:schemeClr val="bg2"/>
+                </a:solidFill>
+              </a:rPr>
+              <a:t>Cliente</a:t>
+            </a:r>
+          </a:p>
+        </p:txBody>
+      </p:sp>
+      <p:sp>
+        <p:nvSpPr>
+          <p:cNvPr id="58" name="CaixaDeTexto 57">
+            <a:extLst>
+              <a:ext uri="{FF2B5EF4-FFF2-40B4-BE49-F238E27FC236}">
+                <a16:creationId xmlns:a16="http://schemas.microsoft.com/office/drawing/2014/main" id="{AFAEDF40-2CA3-4A58-992D-78C2C95634A7}"/>
+              </a:ext>
+            </a:extLst>
+          </p:cNvPr>
+          <p:cNvSpPr txBox="1"/>
+          <p:nvPr/>
+        </p:nvSpPr>
+        <p:spPr>
+          <a:xfrm>
+            <a:off x="2819141" y="4729377"/>
+            <a:ext cx="2112693" cy="369332"/>
+          </a:xfrm>
+          <a:prstGeom prst="rect">
+            <a:avLst/>
+          </a:prstGeom>
+          <a:noFill/>
+        </p:spPr>
+        <p:txBody>
+          <a:bodyPr wrap="square" rtlCol="0">
+            <a:spAutoFit/>
+          </a:bodyPr>
+          <a:lstStyle/>
+          <a:p>
+            <a:r>
+              <a:rPr lang="pt-BR" b="1" dirty="0">
+                <a:solidFill>
+                  <a:schemeClr val="bg2"/>
+                </a:solidFill>
+              </a:rPr>
+              <a:t>Interação usuário</a:t>
             </a:r>
           </a:p>
         </p:txBody>
